--- a/docs/口試後修改.pptx
+++ b/docs/口試後修改.pptx
@@ -13,6 +13,11 @@
     <p:sldId id="264" r:id="rId7"/>
     <p:sldId id="265" r:id="rId8"/>
     <p:sldId id="267" r:id="rId9"/>
+    <p:sldId id="268" r:id="rId10"/>
+    <p:sldId id="269" r:id="rId11"/>
+    <p:sldId id="270" r:id="rId12"/>
+    <p:sldId id="271" r:id="rId13"/>
+    <p:sldId id="272" r:id="rId14"/>
   </p:sldIdLst>
   <p:sldSz cx="12192000" cy="6858000"/>
   <p:notesSz cx="6858000" cy="9144000"/>
@@ -3403,6 +3408,1847 @@
 </p:sld>
 </file>
 
+<file path=ppt/slides/slide10.xml><?xml version="1.0" encoding="utf-8"?>
+<p:sld xmlns:a="http://schemas.openxmlformats.org/drawingml/2006/main" xmlns:r="http://schemas.openxmlformats.org/officeDocument/2006/relationships" xmlns:p="http://schemas.openxmlformats.org/presentationml/2006/main">
+  <p:cSld>
+    <p:spTree>
+      <p:nvGrpSpPr>
+        <p:cNvPr id="1" name=""/>
+        <p:cNvGrpSpPr/>
+        <p:nvPr/>
+      </p:nvGrpSpPr>
+      <p:grpSpPr>
+        <a:xfrm>
+          <a:off x="0" y="0"/>
+          <a:ext cx="0" cy="0"/>
+          <a:chOff x="0" y="0"/>
+          <a:chExt cx="0" cy="0"/>
+        </a:xfrm>
+      </p:grpSpPr>
+      <p:sp>
+        <p:nvSpPr>
+          <p:cNvPr id="2" name="標題 1">
+            <a:extLst>
+              <a:ext uri="{FF2B5EF4-FFF2-40B4-BE49-F238E27FC236}">
+                <a16:creationId xmlns:a16="http://schemas.microsoft.com/office/drawing/2014/main" id="{AF41E7A0-F05F-2C79-2443-35C84F324AF0}"/>
+              </a:ext>
+            </a:extLst>
+          </p:cNvPr>
+          <p:cNvSpPr>
+            <a:spLocks noGrp="1"/>
+          </p:cNvSpPr>
+          <p:nvPr>
+            <p:ph type="title"/>
+          </p:nvPr>
+        </p:nvSpPr>
+        <p:spPr/>
+        <p:txBody>
+          <a:bodyPr/>
+          <a:lstStyle/>
+          <a:p>
+            <a:r>
+              <a:rPr lang="zh-TW" altLang="en-US" b="0" i="0" dirty="0">
+                <a:solidFill>
+                  <a:srgbClr val="222222"/>
+                </a:solidFill>
+                <a:effectLst/>
+                <a:latin typeface="Arial" panose="020B0604020202020204" pitchFamily="34" charset="0"/>
+              </a:rPr>
+              <a:t>徐讚昇老師</a:t>
+            </a:r>
+            <a:endParaRPr kumimoji="1" lang="zh-TW" altLang="en-US" dirty="0"/>
+          </a:p>
+        </p:txBody>
+      </p:sp>
+      <p:sp>
+        <p:nvSpPr>
+          <p:cNvPr id="3" name="內容版面配置區 2">
+            <a:extLst>
+              <a:ext uri="{FF2B5EF4-FFF2-40B4-BE49-F238E27FC236}">
+                <a16:creationId xmlns:a16="http://schemas.microsoft.com/office/drawing/2014/main" id="{01E03118-0EBD-3432-F0C0-41BD2D89352A}"/>
+              </a:ext>
+            </a:extLst>
+          </p:cNvPr>
+          <p:cNvSpPr>
+            <a:spLocks noGrp="1"/>
+          </p:cNvSpPr>
+          <p:nvPr>
+            <p:ph idx="1"/>
+          </p:nvPr>
+        </p:nvSpPr>
+        <p:spPr/>
+        <p:txBody>
+          <a:bodyPr/>
+          <a:lstStyle/>
+          <a:p>
+            <a:r>
+              <a:rPr lang="en" altLang="zh-TW" dirty="0"/>
+              <a:t>Survey Work: have some comparison with other work</a:t>
+            </a:r>
+            <a:r>
+              <a:rPr lang="zh-TW" altLang="en-US" dirty="0"/>
+              <a:t> </a:t>
+            </a:r>
+            <a:r>
+              <a:rPr lang="en-US" altLang="zh-TW" dirty="0"/>
+              <a:t>(</a:t>
+            </a:r>
+            <a:r>
+              <a:rPr lang="zh-TW" altLang="en-US" dirty="0">
+                <a:solidFill>
+                  <a:srgbClr val="FF0000"/>
+                </a:solidFill>
+              </a:rPr>
+              <a:t>文獻回顧多一節</a:t>
+            </a:r>
+            <a:r>
+              <a:rPr lang="en-US" altLang="zh-TW" dirty="0">
+                <a:solidFill>
+                  <a:srgbClr val="FF0000"/>
+                </a:solidFill>
+              </a:rPr>
+              <a:t>: </a:t>
+            </a:r>
+            <a:r>
+              <a:rPr lang="zh-TW" altLang="en-US" dirty="0">
+                <a:solidFill>
+                  <a:srgbClr val="FF0000"/>
+                </a:solidFill>
+              </a:rPr>
+              <a:t>應用場景</a:t>
+            </a:r>
+            <a:r>
+              <a:rPr lang="en-US" altLang="zh-TW" dirty="0"/>
+              <a:t>)</a:t>
+            </a:r>
+            <a:endParaRPr lang="en" altLang="zh-TW" dirty="0"/>
+          </a:p>
+          <a:p>
+            <a:pPr lvl="1"/>
+            <a:r>
+              <a:rPr lang="zh-TW" altLang="en-US" dirty="0"/>
+              <a:t>蘋果新公開的</a:t>
+            </a:r>
+            <a:r>
+              <a:rPr lang="en-US" altLang="zh-TW" dirty="0"/>
+              <a:t>AI</a:t>
+            </a:r>
+            <a:r>
+              <a:rPr lang="zh-TW" altLang="en-US" dirty="0"/>
+              <a:t>，會讀取用戶裝置的個資，放到</a:t>
+            </a:r>
+            <a:r>
+              <a:rPr lang="en-US" altLang="zh-TW" dirty="0"/>
+              <a:t>AI</a:t>
+            </a:r>
+            <a:r>
+              <a:rPr lang="zh-TW" altLang="en-US" dirty="0"/>
+              <a:t>中運算成為指令，代替使用者完成應用程式操作。</a:t>
+            </a:r>
+            <a:endParaRPr lang="en-US" altLang="zh-TW" dirty="0"/>
+          </a:p>
+          <a:p>
+            <a:pPr lvl="1"/>
+            <a:r>
+              <a:rPr lang="zh-TW" altLang="en-US" dirty="0"/>
+              <a:t>他們需要特殊得驗證與數據機制（當不得不上傳數據時，大多數用</a:t>
+            </a:r>
+            <a:r>
+              <a:rPr lang="en-US" altLang="zh-TW" dirty="0"/>
+              <a:t>local</a:t>
+            </a:r>
+            <a:r>
+              <a:rPr lang="zh-TW" altLang="en-US" dirty="0"/>
+              <a:t>）</a:t>
+            </a:r>
+            <a:endParaRPr lang="en" altLang="zh-TW" dirty="0"/>
+          </a:p>
+          <a:p>
+            <a:r>
+              <a:rPr lang="en" altLang="zh-TW" dirty="0"/>
+              <a:t>Code : Bugs, as free as possible</a:t>
+            </a:r>
+          </a:p>
+          <a:p>
+            <a:pPr lvl="1"/>
+            <a:r>
+              <a:rPr kumimoji="1" lang="zh-TW" altLang="en-US" dirty="0"/>
+              <a:t>在實作會補充描述我的測試方案</a:t>
+            </a:r>
+            <a:r>
+              <a:rPr kumimoji="1" lang="en-US" altLang="zh-TW" dirty="0"/>
+              <a:t>(</a:t>
+            </a:r>
+            <a:r>
+              <a:rPr kumimoji="1" lang="zh-TW" altLang="en-US" dirty="0"/>
+              <a:t>但可能太過敷衍</a:t>
+            </a:r>
+            <a:r>
+              <a:rPr kumimoji="1" lang="en-US" altLang="zh-TW" dirty="0"/>
+              <a:t>?)</a:t>
+            </a:r>
+          </a:p>
+        </p:txBody>
+      </p:sp>
+      <p:sp>
+        <p:nvSpPr>
+          <p:cNvPr id="4" name="矩形 3">
+            <a:extLst>
+              <a:ext uri="{FF2B5EF4-FFF2-40B4-BE49-F238E27FC236}">
+                <a16:creationId xmlns:a16="http://schemas.microsoft.com/office/drawing/2014/main" id="{EA56BBB6-70F7-36C4-09C6-F29B2BBAB0B0}"/>
+              </a:ext>
+            </a:extLst>
+          </p:cNvPr>
+          <p:cNvSpPr/>
+          <p:nvPr/>
+        </p:nvSpPr>
+        <p:spPr>
+          <a:xfrm>
+            <a:off x="8430936" y="4563613"/>
+            <a:ext cx="385893" cy="360726"/>
+          </a:xfrm>
+          <a:prstGeom prst="rect">
+            <a:avLst/>
+          </a:prstGeom>
+        </p:spPr>
+        <p:style>
+          <a:lnRef idx="3">
+            <a:schemeClr val="lt1"/>
+          </a:lnRef>
+          <a:fillRef idx="1">
+            <a:schemeClr val="accent3"/>
+          </a:fillRef>
+          <a:effectRef idx="1">
+            <a:schemeClr val="accent3"/>
+          </a:effectRef>
+          <a:fontRef idx="minor">
+            <a:schemeClr val="lt1"/>
+          </a:fontRef>
+        </p:style>
+        <p:txBody>
+          <a:bodyPr rtlCol="0" anchor="ctr"/>
+          <a:lstStyle/>
+          <a:p>
+            <a:pPr algn="ctr"/>
+            <a:endParaRPr kumimoji="1" lang="zh-TW" altLang="en-US"/>
+          </a:p>
+        </p:txBody>
+      </p:sp>
+      <p:sp>
+        <p:nvSpPr>
+          <p:cNvPr id="5" name="矩形 4">
+            <a:extLst>
+              <a:ext uri="{FF2B5EF4-FFF2-40B4-BE49-F238E27FC236}">
+                <a16:creationId xmlns:a16="http://schemas.microsoft.com/office/drawing/2014/main" id="{6A86A1E2-40B6-C6B8-56EE-6C464759544A}"/>
+              </a:ext>
+            </a:extLst>
+          </p:cNvPr>
+          <p:cNvSpPr/>
+          <p:nvPr/>
+        </p:nvSpPr>
+        <p:spPr>
+          <a:xfrm>
+            <a:off x="8893729" y="4563613"/>
+            <a:ext cx="385893" cy="360726"/>
+          </a:xfrm>
+          <a:prstGeom prst="rect">
+            <a:avLst/>
+          </a:prstGeom>
+        </p:spPr>
+        <p:style>
+          <a:lnRef idx="3">
+            <a:schemeClr val="lt1"/>
+          </a:lnRef>
+          <a:fillRef idx="1">
+            <a:schemeClr val="accent3"/>
+          </a:fillRef>
+          <a:effectRef idx="1">
+            <a:schemeClr val="accent3"/>
+          </a:effectRef>
+          <a:fontRef idx="minor">
+            <a:schemeClr val="lt1"/>
+          </a:fontRef>
+        </p:style>
+        <p:txBody>
+          <a:bodyPr rtlCol="0" anchor="ctr"/>
+          <a:lstStyle/>
+          <a:p>
+            <a:pPr algn="ctr"/>
+            <a:endParaRPr kumimoji="1" lang="zh-TW" altLang="en-US"/>
+          </a:p>
+        </p:txBody>
+      </p:sp>
+      <p:sp>
+        <p:nvSpPr>
+          <p:cNvPr id="6" name="矩形 5">
+            <a:extLst>
+              <a:ext uri="{FF2B5EF4-FFF2-40B4-BE49-F238E27FC236}">
+                <a16:creationId xmlns:a16="http://schemas.microsoft.com/office/drawing/2014/main" id="{D9920189-5A82-1CDB-0A9F-A843CEAED154}"/>
+              </a:ext>
+            </a:extLst>
+          </p:cNvPr>
+          <p:cNvSpPr/>
+          <p:nvPr/>
+        </p:nvSpPr>
+        <p:spPr>
+          <a:xfrm>
+            <a:off x="9356522" y="4563613"/>
+            <a:ext cx="385893" cy="360726"/>
+          </a:xfrm>
+          <a:prstGeom prst="rect">
+            <a:avLst/>
+          </a:prstGeom>
+        </p:spPr>
+        <p:style>
+          <a:lnRef idx="3">
+            <a:schemeClr val="lt1"/>
+          </a:lnRef>
+          <a:fillRef idx="1">
+            <a:schemeClr val="accent3"/>
+          </a:fillRef>
+          <a:effectRef idx="1">
+            <a:schemeClr val="accent3"/>
+          </a:effectRef>
+          <a:fontRef idx="minor">
+            <a:schemeClr val="lt1"/>
+          </a:fontRef>
+        </p:style>
+        <p:txBody>
+          <a:bodyPr rtlCol="0" anchor="ctr"/>
+          <a:lstStyle/>
+          <a:p>
+            <a:pPr algn="ctr"/>
+            <a:endParaRPr kumimoji="1" lang="zh-TW" altLang="en-US"/>
+          </a:p>
+        </p:txBody>
+      </p:sp>
+      <p:sp>
+        <p:nvSpPr>
+          <p:cNvPr id="7" name="矩形 6">
+            <a:extLst>
+              <a:ext uri="{FF2B5EF4-FFF2-40B4-BE49-F238E27FC236}">
+                <a16:creationId xmlns:a16="http://schemas.microsoft.com/office/drawing/2014/main" id="{7CF6DFEC-3485-D78C-86EF-F0D609435EFC}"/>
+              </a:ext>
+            </a:extLst>
+          </p:cNvPr>
+          <p:cNvSpPr/>
+          <p:nvPr/>
+        </p:nvSpPr>
+        <p:spPr>
+          <a:xfrm>
+            <a:off x="9819315" y="4563613"/>
+            <a:ext cx="385893" cy="360726"/>
+          </a:xfrm>
+          <a:prstGeom prst="rect">
+            <a:avLst/>
+          </a:prstGeom>
+        </p:spPr>
+        <p:style>
+          <a:lnRef idx="3">
+            <a:schemeClr val="lt1"/>
+          </a:lnRef>
+          <a:fillRef idx="1">
+            <a:schemeClr val="accent3"/>
+          </a:fillRef>
+          <a:effectRef idx="1">
+            <a:schemeClr val="accent3"/>
+          </a:effectRef>
+          <a:fontRef idx="minor">
+            <a:schemeClr val="lt1"/>
+          </a:fontRef>
+        </p:style>
+        <p:txBody>
+          <a:bodyPr rtlCol="0" anchor="ctr"/>
+          <a:lstStyle/>
+          <a:p>
+            <a:pPr algn="ctr"/>
+            <a:endParaRPr kumimoji="1" lang="zh-TW" altLang="en-US"/>
+          </a:p>
+        </p:txBody>
+      </p:sp>
+      <p:sp>
+        <p:nvSpPr>
+          <p:cNvPr id="8" name="矩形 7">
+            <a:extLst>
+              <a:ext uri="{FF2B5EF4-FFF2-40B4-BE49-F238E27FC236}">
+                <a16:creationId xmlns:a16="http://schemas.microsoft.com/office/drawing/2014/main" id="{61ADC6E9-A7F4-BC82-AE98-79570F3F5B59}"/>
+              </a:ext>
+            </a:extLst>
+          </p:cNvPr>
+          <p:cNvSpPr/>
+          <p:nvPr/>
+        </p:nvSpPr>
+        <p:spPr>
+          <a:xfrm>
+            <a:off x="10282108" y="4563613"/>
+            <a:ext cx="385893" cy="360726"/>
+          </a:xfrm>
+          <a:prstGeom prst="rect">
+            <a:avLst/>
+          </a:prstGeom>
+        </p:spPr>
+        <p:style>
+          <a:lnRef idx="3">
+            <a:schemeClr val="lt1"/>
+          </a:lnRef>
+          <a:fillRef idx="1">
+            <a:schemeClr val="accent3"/>
+          </a:fillRef>
+          <a:effectRef idx="1">
+            <a:schemeClr val="accent3"/>
+          </a:effectRef>
+          <a:fontRef idx="minor">
+            <a:schemeClr val="lt1"/>
+          </a:fontRef>
+        </p:style>
+        <p:txBody>
+          <a:bodyPr rtlCol="0" anchor="ctr"/>
+          <a:lstStyle/>
+          <a:p>
+            <a:pPr algn="ctr"/>
+            <a:endParaRPr kumimoji="1" lang="zh-TW" altLang="en-US"/>
+          </a:p>
+        </p:txBody>
+      </p:sp>
+      <p:sp>
+        <p:nvSpPr>
+          <p:cNvPr id="9" name="矩形 8">
+            <a:extLst>
+              <a:ext uri="{FF2B5EF4-FFF2-40B4-BE49-F238E27FC236}">
+                <a16:creationId xmlns:a16="http://schemas.microsoft.com/office/drawing/2014/main" id="{CEC0E1DC-5545-C77C-31A4-C19CD05A796F}"/>
+              </a:ext>
+            </a:extLst>
+          </p:cNvPr>
+          <p:cNvSpPr/>
+          <p:nvPr/>
+        </p:nvSpPr>
+        <p:spPr>
+          <a:xfrm>
+            <a:off x="8430936" y="5009562"/>
+            <a:ext cx="385893" cy="360726"/>
+          </a:xfrm>
+          <a:prstGeom prst="rect">
+            <a:avLst/>
+          </a:prstGeom>
+        </p:spPr>
+        <p:style>
+          <a:lnRef idx="3">
+            <a:schemeClr val="lt1"/>
+          </a:lnRef>
+          <a:fillRef idx="1">
+            <a:schemeClr val="accent3"/>
+          </a:fillRef>
+          <a:effectRef idx="1">
+            <a:schemeClr val="accent3"/>
+          </a:effectRef>
+          <a:fontRef idx="minor">
+            <a:schemeClr val="lt1"/>
+          </a:fontRef>
+        </p:style>
+        <p:txBody>
+          <a:bodyPr rtlCol="0" anchor="ctr"/>
+          <a:lstStyle/>
+          <a:p>
+            <a:pPr algn="ctr"/>
+            <a:endParaRPr kumimoji="1" lang="zh-TW" altLang="en-US"/>
+          </a:p>
+        </p:txBody>
+      </p:sp>
+      <p:sp>
+        <p:nvSpPr>
+          <p:cNvPr id="10" name="矩形 9">
+            <a:extLst>
+              <a:ext uri="{FF2B5EF4-FFF2-40B4-BE49-F238E27FC236}">
+                <a16:creationId xmlns:a16="http://schemas.microsoft.com/office/drawing/2014/main" id="{157A363D-7CF0-DD71-9CC7-665568E2CBE2}"/>
+              </a:ext>
+            </a:extLst>
+          </p:cNvPr>
+          <p:cNvSpPr/>
+          <p:nvPr/>
+        </p:nvSpPr>
+        <p:spPr>
+          <a:xfrm>
+            <a:off x="8893729" y="5009562"/>
+            <a:ext cx="385893" cy="360726"/>
+          </a:xfrm>
+          <a:prstGeom prst="rect">
+            <a:avLst/>
+          </a:prstGeom>
+        </p:spPr>
+        <p:style>
+          <a:lnRef idx="3">
+            <a:schemeClr val="lt1"/>
+          </a:lnRef>
+          <a:fillRef idx="1">
+            <a:schemeClr val="accent3"/>
+          </a:fillRef>
+          <a:effectRef idx="1">
+            <a:schemeClr val="accent3"/>
+          </a:effectRef>
+          <a:fontRef idx="minor">
+            <a:schemeClr val="lt1"/>
+          </a:fontRef>
+        </p:style>
+        <p:txBody>
+          <a:bodyPr rtlCol="0" anchor="ctr"/>
+          <a:lstStyle/>
+          <a:p>
+            <a:pPr algn="ctr"/>
+            <a:endParaRPr kumimoji="1" lang="zh-TW" altLang="en-US"/>
+          </a:p>
+        </p:txBody>
+      </p:sp>
+      <p:sp>
+        <p:nvSpPr>
+          <p:cNvPr id="11" name="矩形 10">
+            <a:extLst>
+              <a:ext uri="{FF2B5EF4-FFF2-40B4-BE49-F238E27FC236}">
+                <a16:creationId xmlns:a16="http://schemas.microsoft.com/office/drawing/2014/main" id="{E1C03BE7-074C-07D4-647A-A30D91FF6934}"/>
+              </a:ext>
+            </a:extLst>
+          </p:cNvPr>
+          <p:cNvSpPr/>
+          <p:nvPr/>
+        </p:nvSpPr>
+        <p:spPr>
+          <a:xfrm>
+            <a:off x="9356522" y="5009562"/>
+            <a:ext cx="385893" cy="360726"/>
+          </a:xfrm>
+          <a:prstGeom prst="rect">
+            <a:avLst/>
+          </a:prstGeom>
+        </p:spPr>
+        <p:style>
+          <a:lnRef idx="3">
+            <a:schemeClr val="lt1"/>
+          </a:lnRef>
+          <a:fillRef idx="1">
+            <a:schemeClr val="accent3"/>
+          </a:fillRef>
+          <a:effectRef idx="1">
+            <a:schemeClr val="accent3"/>
+          </a:effectRef>
+          <a:fontRef idx="minor">
+            <a:schemeClr val="lt1"/>
+          </a:fontRef>
+        </p:style>
+        <p:txBody>
+          <a:bodyPr rtlCol="0" anchor="ctr"/>
+          <a:lstStyle/>
+          <a:p>
+            <a:pPr algn="ctr"/>
+            <a:endParaRPr kumimoji="1" lang="zh-TW" altLang="en-US"/>
+          </a:p>
+        </p:txBody>
+      </p:sp>
+      <p:sp>
+        <p:nvSpPr>
+          <p:cNvPr id="12" name="矩形 11">
+            <a:extLst>
+              <a:ext uri="{FF2B5EF4-FFF2-40B4-BE49-F238E27FC236}">
+                <a16:creationId xmlns:a16="http://schemas.microsoft.com/office/drawing/2014/main" id="{9EA9AF59-474A-FAF4-0FA5-AB8FE503394B}"/>
+              </a:ext>
+            </a:extLst>
+          </p:cNvPr>
+          <p:cNvSpPr/>
+          <p:nvPr/>
+        </p:nvSpPr>
+        <p:spPr>
+          <a:xfrm>
+            <a:off x="9819315" y="5009562"/>
+            <a:ext cx="385893" cy="360726"/>
+          </a:xfrm>
+          <a:prstGeom prst="rect">
+            <a:avLst/>
+          </a:prstGeom>
+        </p:spPr>
+        <p:style>
+          <a:lnRef idx="3">
+            <a:schemeClr val="lt1"/>
+          </a:lnRef>
+          <a:fillRef idx="1">
+            <a:schemeClr val="accent3"/>
+          </a:fillRef>
+          <a:effectRef idx="1">
+            <a:schemeClr val="accent3"/>
+          </a:effectRef>
+          <a:fontRef idx="minor">
+            <a:schemeClr val="lt1"/>
+          </a:fontRef>
+        </p:style>
+        <p:txBody>
+          <a:bodyPr rtlCol="0" anchor="ctr"/>
+          <a:lstStyle/>
+          <a:p>
+            <a:pPr algn="ctr"/>
+            <a:endParaRPr kumimoji="1" lang="zh-TW" altLang="en-US"/>
+          </a:p>
+        </p:txBody>
+      </p:sp>
+      <p:sp>
+        <p:nvSpPr>
+          <p:cNvPr id="13" name="矩形 12">
+            <a:extLst>
+              <a:ext uri="{FF2B5EF4-FFF2-40B4-BE49-F238E27FC236}">
+                <a16:creationId xmlns:a16="http://schemas.microsoft.com/office/drawing/2014/main" id="{E1A5A4C4-9D3E-5409-36AA-94280864CEB1}"/>
+              </a:ext>
+            </a:extLst>
+          </p:cNvPr>
+          <p:cNvSpPr/>
+          <p:nvPr/>
+        </p:nvSpPr>
+        <p:spPr>
+          <a:xfrm>
+            <a:off x="10282108" y="5009562"/>
+            <a:ext cx="385893" cy="360726"/>
+          </a:xfrm>
+          <a:prstGeom prst="rect">
+            <a:avLst/>
+          </a:prstGeom>
+        </p:spPr>
+        <p:style>
+          <a:lnRef idx="3">
+            <a:schemeClr val="lt1"/>
+          </a:lnRef>
+          <a:fillRef idx="1">
+            <a:schemeClr val="accent3"/>
+          </a:fillRef>
+          <a:effectRef idx="1">
+            <a:schemeClr val="accent3"/>
+          </a:effectRef>
+          <a:fontRef idx="minor">
+            <a:schemeClr val="lt1"/>
+          </a:fontRef>
+        </p:style>
+        <p:txBody>
+          <a:bodyPr rtlCol="0" anchor="ctr"/>
+          <a:lstStyle/>
+          <a:p>
+            <a:pPr algn="ctr"/>
+            <a:endParaRPr kumimoji="1" lang="zh-TW" altLang="en-US"/>
+          </a:p>
+        </p:txBody>
+      </p:sp>
+      <p:sp>
+        <p:nvSpPr>
+          <p:cNvPr id="14" name="矩形 13">
+            <a:extLst>
+              <a:ext uri="{FF2B5EF4-FFF2-40B4-BE49-F238E27FC236}">
+                <a16:creationId xmlns:a16="http://schemas.microsoft.com/office/drawing/2014/main" id="{A6DA1A73-13B6-3FC0-C9F2-D0C66435F9F3}"/>
+              </a:ext>
+            </a:extLst>
+          </p:cNvPr>
+          <p:cNvSpPr/>
+          <p:nvPr/>
+        </p:nvSpPr>
+        <p:spPr>
+          <a:xfrm>
+            <a:off x="8430936" y="5455511"/>
+            <a:ext cx="385893" cy="360726"/>
+          </a:xfrm>
+          <a:prstGeom prst="rect">
+            <a:avLst/>
+          </a:prstGeom>
+        </p:spPr>
+        <p:style>
+          <a:lnRef idx="3">
+            <a:schemeClr val="lt1"/>
+          </a:lnRef>
+          <a:fillRef idx="1">
+            <a:schemeClr val="accent3"/>
+          </a:fillRef>
+          <a:effectRef idx="1">
+            <a:schemeClr val="accent3"/>
+          </a:effectRef>
+          <a:fontRef idx="minor">
+            <a:schemeClr val="lt1"/>
+          </a:fontRef>
+        </p:style>
+        <p:txBody>
+          <a:bodyPr rtlCol="0" anchor="ctr"/>
+          <a:lstStyle/>
+          <a:p>
+            <a:pPr algn="ctr"/>
+            <a:endParaRPr kumimoji="1" lang="zh-TW" altLang="en-US"/>
+          </a:p>
+        </p:txBody>
+      </p:sp>
+      <p:sp>
+        <p:nvSpPr>
+          <p:cNvPr id="15" name="矩形 14">
+            <a:extLst>
+              <a:ext uri="{FF2B5EF4-FFF2-40B4-BE49-F238E27FC236}">
+                <a16:creationId xmlns:a16="http://schemas.microsoft.com/office/drawing/2014/main" id="{F2B0D478-E42D-D3BB-5B17-E166215E9902}"/>
+              </a:ext>
+            </a:extLst>
+          </p:cNvPr>
+          <p:cNvSpPr/>
+          <p:nvPr/>
+        </p:nvSpPr>
+        <p:spPr>
+          <a:xfrm>
+            <a:off x="8893729" y="5455511"/>
+            <a:ext cx="385893" cy="360726"/>
+          </a:xfrm>
+          <a:prstGeom prst="rect">
+            <a:avLst/>
+          </a:prstGeom>
+        </p:spPr>
+        <p:style>
+          <a:lnRef idx="3">
+            <a:schemeClr val="lt1"/>
+          </a:lnRef>
+          <a:fillRef idx="1">
+            <a:schemeClr val="accent3"/>
+          </a:fillRef>
+          <a:effectRef idx="1">
+            <a:schemeClr val="accent3"/>
+          </a:effectRef>
+          <a:fontRef idx="minor">
+            <a:schemeClr val="lt1"/>
+          </a:fontRef>
+        </p:style>
+        <p:txBody>
+          <a:bodyPr rtlCol="0" anchor="ctr"/>
+          <a:lstStyle/>
+          <a:p>
+            <a:pPr algn="ctr"/>
+            <a:endParaRPr kumimoji="1" lang="zh-TW" altLang="en-US"/>
+          </a:p>
+        </p:txBody>
+      </p:sp>
+      <p:sp>
+        <p:nvSpPr>
+          <p:cNvPr id="16" name="矩形 15">
+            <a:extLst>
+              <a:ext uri="{FF2B5EF4-FFF2-40B4-BE49-F238E27FC236}">
+                <a16:creationId xmlns:a16="http://schemas.microsoft.com/office/drawing/2014/main" id="{9B6CA916-DC34-A815-F304-D9342F196023}"/>
+              </a:ext>
+            </a:extLst>
+          </p:cNvPr>
+          <p:cNvSpPr/>
+          <p:nvPr/>
+        </p:nvSpPr>
+        <p:spPr>
+          <a:xfrm>
+            <a:off x="9356522" y="5455511"/>
+            <a:ext cx="385893" cy="360726"/>
+          </a:xfrm>
+          <a:prstGeom prst="rect">
+            <a:avLst/>
+          </a:prstGeom>
+        </p:spPr>
+        <p:style>
+          <a:lnRef idx="3">
+            <a:schemeClr val="lt1"/>
+          </a:lnRef>
+          <a:fillRef idx="1">
+            <a:schemeClr val="accent3"/>
+          </a:fillRef>
+          <a:effectRef idx="1">
+            <a:schemeClr val="accent3"/>
+          </a:effectRef>
+          <a:fontRef idx="minor">
+            <a:schemeClr val="lt1"/>
+          </a:fontRef>
+        </p:style>
+        <p:txBody>
+          <a:bodyPr rtlCol="0" anchor="ctr"/>
+          <a:lstStyle/>
+          <a:p>
+            <a:pPr algn="ctr"/>
+            <a:endParaRPr kumimoji="1" lang="zh-TW" altLang="en-US"/>
+          </a:p>
+        </p:txBody>
+      </p:sp>
+      <p:sp>
+        <p:nvSpPr>
+          <p:cNvPr id="17" name="矩形 16">
+            <a:extLst>
+              <a:ext uri="{FF2B5EF4-FFF2-40B4-BE49-F238E27FC236}">
+                <a16:creationId xmlns:a16="http://schemas.microsoft.com/office/drawing/2014/main" id="{622EAD30-98F3-ED10-56F2-35C754E01B73}"/>
+              </a:ext>
+            </a:extLst>
+          </p:cNvPr>
+          <p:cNvSpPr/>
+          <p:nvPr/>
+        </p:nvSpPr>
+        <p:spPr>
+          <a:xfrm>
+            <a:off x="9819315" y="5455511"/>
+            <a:ext cx="385893" cy="360726"/>
+          </a:xfrm>
+          <a:prstGeom prst="rect">
+            <a:avLst/>
+          </a:prstGeom>
+        </p:spPr>
+        <p:style>
+          <a:lnRef idx="3">
+            <a:schemeClr val="lt1"/>
+          </a:lnRef>
+          <a:fillRef idx="1">
+            <a:schemeClr val="accent3"/>
+          </a:fillRef>
+          <a:effectRef idx="1">
+            <a:schemeClr val="accent3"/>
+          </a:effectRef>
+          <a:fontRef idx="minor">
+            <a:schemeClr val="lt1"/>
+          </a:fontRef>
+        </p:style>
+        <p:txBody>
+          <a:bodyPr rtlCol="0" anchor="ctr"/>
+          <a:lstStyle/>
+          <a:p>
+            <a:pPr algn="ctr"/>
+            <a:endParaRPr kumimoji="1" lang="zh-TW" altLang="en-US"/>
+          </a:p>
+        </p:txBody>
+      </p:sp>
+      <p:sp>
+        <p:nvSpPr>
+          <p:cNvPr id="18" name="矩形 17">
+            <a:extLst>
+              <a:ext uri="{FF2B5EF4-FFF2-40B4-BE49-F238E27FC236}">
+                <a16:creationId xmlns:a16="http://schemas.microsoft.com/office/drawing/2014/main" id="{CE598C38-ED89-336E-D6D5-6D19554FAAE0}"/>
+              </a:ext>
+            </a:extLst>
+          </p:cNvPr>
+          <p:cNvSpPr/>
+          <p:nvPr/>
+        </p:nvSpPr>
+        <p:spPr>
+          <a:xfrm>
+            <a:off x="10282108" y="5455511"/>
+            <a:ext cx="385893" cy="360726"/>
+          </a:xfrm>
+          <a:prstGeom prst="rect">
+            <a:avLst/>
+          </a:prstGeom>
+        </p:spPr>
+        <p:style>
+          <a:lnRef idx="3">
+            <a:schemeClr val="lt1"/>
+          </a:lnRef>
+          <a:fillRef idx="1">
+            <a:schemeClr val="accent3"/>
+          </a:fillRef>
+          <a:effectRef idx="1">
+            <a:schemeClr val="accent3"/>
+          </a:effectRef>
+          <a:fontRef idx="minor">
+            <a:schemeClr val="lt1"/>
+          </a:fontRef>
+        </p:style>
+        <p:txBody>
+          <a:bodyPr rtlCol="0" anchor="ctr"/>
+          <a:lstStyle/>
+          <a:p>
+            <a:pPr algn="ctr"/>
+            <a:endParaRPr kumimoji="1" lang="zh-TW" altLang="en-US"/>
+          </a:p>
+        </p:txBody>
+      </p:sp>
+      <p:sp>
+        <p:nvSpPr>
+          <p:cNvPr id="19" name="矩形 18">
+            <a:extLst>
+              <a:ext uri="{FF2B5EF4-FFF2-40B4-BE49-F238E27FC236}">
+                <a16:creationId xmlns:a16="http://schemas.microsoft.com/office/drawing/2014/main" id="{E7142158-4716-55A2-21E1-CD0F65DDF46C}"/>
+              </a:ext>
+            </a:extLst>
+          </p:cNvPr>
+          <p:cNvSpPr/>
+          <p:nvPr/>
+        </p:nvSpPr>
+        <p:spPr>
+          <a:xfrm>
+            <a:off x="8430936" y="5901460"/>
+            <a:ext cx="385893" cy="360726"/>
+          </a:xfrm>
+          <a:prstGeom prst="rect">
+            <a:avLst/>
+          </a:prstGeom>
+        </p:spPr>
+        <p:style>
+          <a:lnRef idx="3">
+            <a:schemeClr val="lt1"/>
+          </a:lnRef>
+          <a:fillRef idx="1">
+            <a:schemeClr val="accent3"/>
+          </a:fillRef>
+          <a:effectRef idx="1">
+            <a:schemeClr val="accent3"/>
+          </a:effectRef>
+          <a:fontRef idx="minor">
+            <a:schemeClr val="lt1"/>
+          </a:fontRef>
+        </p:style>
+        <p:txBody>
+          <a:bodyPr rtlCol="0" anchor="ctr"/>
+          <a:lstStyle/>
+          <a:p>
+            <a:pPr algn="ctr"/>
+            <a:endParaRPr kumimoji="1" lang="zh-TW" altLang="en-US"/>
+          </a:p>
+        </p:txBody>
+      </p:sp>
+      <p:sp>
+        <p:nvSpPr>
+          <p:cNvPr id="20" name="矩形 19">
+            <a:extLst>
+              <a:ext uri="{FF2B5EF4-FFF2-40B4-BE49-F238E27FC236}">
+                <a16:creationId xmlns:a16="http://schemas.microsoft.com/office/drawing/2014/main" id="{D2EC514D-7D30-EEDF-B8A9-785116BF9747}"/>
+              </a:ext>
+            </a:extLst>
+          </p:cNvPr>
+          <p:cNvSpPr/>
+          <p:nvPr/>
+        </p:nvSpPr>
+        <p:spPr>
+          <a:xfrm>
+            <a:off x="8893729" y="5901460"/>
+            <a:ext cx="385893" cy="360726"/>
+          </a:xfrm>
+          <a:prstGeom prst="rect">
+            <a:avLst/>
+          </a:prstGeom>
+        </p:spPr>
+        <p:style>
+          <a:lnRef idx="3">
+            <a:schemeClr val="lt1"/>
+          </a:lnRef>
+          <a:fillRef idx="1">
+            <a:schemeClr val="accent3"/>
+          </a:fillRef>
+          <a:effectRef idx="1">
+            <a:schemeClr val="accent3"/>
+          </a:effectRef>
+          <a:fontRef idx="minor">
+            <a:schemeClr val="lt1"/>
+          </a:fontRef>
+        </p:style>
+        <p:txBody>
+          <a:bodyPr rtlCol="0" anchor="ctr"/>
+          <a:lstStyle/>
+          <a:p>
+            <a:pPr algn="ctr"/>
+            <a:endParaRPr kumimoji="1" lang="zh-TW" altLang="en-US"/>
+          </a:p>
+        </p:txBody>
+      </p:sp>
+      <p:sp>
+        <p:nvSpPr>
+          <p:cNvPr id="21" name="矩形 20">
+            <a:extLst>
+              <a:ext uri="{FF2B5EF4-FFF2-40B4-BE49-F238E27FC236}">
+                <a16:creationId xmlns:a16="http://schemas.microsoft.com/office/drawing/2014/main" id="{022C3535-A0D4-6D25-32F3-A4C9B38A1A49}"/>
+              </a:ext>
+            </a:extLst>
+          </p:cNvPr>
+          <p:cNvSpPr/>
+          <p:nvPr/>
+        </p:nvSpPr>
+        <p:spPr>
+          <a:xfrm>
+            <a:off x="9356522" y="5901460"/>
+            <a:ext cx="385893" cy="360726"/>
+          </a:xfrm>
+          <a:prstGeom prst="rect">
+            <a:avLst/>
+          </a:prstGeom>
+        </p:spPr>
+        <p:style>
+          <a:lnRef idx="3">
+            <a:schemeClr val="lt1"/>
+          </a:lnRef>
+          <a:fillRef idx="1">
+            <a:schemeClr val="accent3"/>
+          </a:fillRef>
+          <a:effectRef idx="1">
+            <a:schemeClr val="accent3"/>
+          </a:effectRef>
+          <a:fontRef idx="minor">
+            <a:schemeClr val="lt1"/>
+          </a:fontRef>
+        </p:style>
+        <p:txBody>
+          <a:bodyPr rtlCol="0" anchor="ctr"/>
+          <a:lstStyle/>
+          <a:p>
+            <a:pPr algn="ctr"/>
+            <a:endParaRPr kumimoji="1" lang="zh-TW" altLang="en-US"/>
+          </a:p>
+        </p:txBody>
+      </p:sp>
+      <p:sp>
+        <p:nvSpPr>
+          <p:cNvPr id="22" name="矩形 21">
+            <a:extLst>
+              <a:ext uri="{FF2B5EF4-FFF2-40B4-BE49-F238E27FC236}">
+                <a16:creationId xmlns:a16="http://schemas.microsoft.com/office/drawing/2014/main" id="{74D674CE-0C66-CEE5-835B-090E6C4BDD76}"/>
+              </a:ext>
+            </a:extLst>
+          </p:cNvPr>
+          <p:cNvSpPr/>
+          <p:nvPr/>
+        </p:nvSpPr>
+        <p:spPr>
+          <a:xfrm>
+            <a:off x="9819315" y="5901460"/>
+            <a:ext cx="385893" cy="360726"/>
+          </a:xfrm>
+          <a:prstGeom prst="rect">
+            <a:avLst/>
+          </a:prstGeom>
+        </p:spPr>
+        <p:style>
+          <a:lnRef idx="3">
+            <a:schemeClr val="lt1"/>
+          </a:lnRef>
+          <a:fillRef idx="1">
+            <a:schemeClr val="accent3"/>
+          </a:fillRef>
+          <a:effectRef idx="1">
+            <a:schemeClr val="accent3"/>
+          </a:effectRef>
+          <a:fontRef idx="minor">
+            <a:schemeClr val="lt1"/>
+          </a:fontRef>
+        </p:style>
+        <p:txBody>
+          <a:bodyPr rtlCol="0" anchor="ctr"/>
+          <a:lstStyle/>
+          <a:p>
+            <a:pPr algn="ctr"/>
+            <a:endParaRPr kumimoji="1" lang="zh-TW" altLang="en-US"/>
+          </a:p>
+        </p:txBody>
+      </p:sp>
+      <p:sp>
+        <p:nvSpPr>
+          <p:cNvPr id="23" name="矩形 22">
+            <a:extLst>
+              <a:ext uri="{FF2B5EF4-FFF2-40B4-BE49-F238E27FC236}">
+                <a16:creationId xmlns:a16="http://schemas.microsoft.com/office/drawing/2014/main" id="{D1E03A85-BD72-0C4C-198B-A2AFEEE79AD6}"/>
+              </a:ext>
+            </a:extLst>
+          </p:cNvPr>
+          <p:cNvSpPr/>
+          <p:nvPr/>
+        </p:nvSpPr>
+        <p:spPr>
+          <a:xfrm>
+            <a:off x="10282108" y="5901460"/>
+            <a:ext cx="385893" cy="360726"/>
+          </a:xfrm>
+          <a:prstGeom prst="rect">
+            <a:avLst/>
+          </a:prstGeom>
+        </p:spPr>
+        <p:style>
+          <a:lnRef idx="3">
+            <a:schemeClr val="lt1"/>
+          </a:lnRef>
+          <a:fillRef idx="1">
+            <a:schemeClr val="accent3"/>
+          </a:fillRef>
+          <a:effectRef idx="1">
+            <a:schemeClr val="accent3"/>
+          </a:effectRef>
+          <a:fontRef idx="minor">
+            <a:schemeClr val="lt1"/>
+          </a:fontRef>
+        </p:style>
+        <p:txBody>
+          <a:bodyPr rtlCol="0" anchor="ctr"/>
+          <a:lstStyle/>
+          <a:p>
+            <a:pPr algn="ctr"/>
+            <a:endParaRPr kumimoji="1" lang="zh-TW" altLang="en-US"/>
+          </a:p>
+        </p:txBody>
+      </p:sp>
+      <p:sp>
+        <p:nvSpPr>
+          <p:cNvPr id="24" name="矩形 23">
+            <a:extLst>
+              <a:ext uri="{FF2B5EF4-FFF2-40B4-BE49-F238E27FC236}">
+                <a16:creationId xmlns:a16="http://schemas.microsoft.com/office/drawing/2014/main" id="{4D60A1F1-4B8F-228F-439C-0014728B74C3}"/>
+              </a:ext>
+            </a:extLst>
+          </p:cNvPr>
+          <p:cNvSpPr/>
+          <p:nvPr/>
+        </p:nvSpPr>
+        <p:spPr>
+          <a:xfrm>
+            <a:off x="8430936" y="6311900"/>
+            <a:ext cx="385893" cy="360726"/>
+          </a:xfrm>
+          <a:prstGeom prst="rect">
+            <a:avLst/>
+          </a:prstGeom>
+        </p:spPr>
+        <p:style>
+          <a:lnRef idx="3">
+            <a:schemeClr val="lt1"/>
+          </a:lnRef>
+          <a:fillRef idx="1">
+            <a:schemeClr val="accent3"/>
+          </a:fillRef>
+          <a:effectRef idx="1">
+            <a:schemeClr val="accent3"/>
+          </a:effectRef>
+          <a:fontRef idx="minor">
+            <a:schemeClr val="lt1"/>
+          </a:fontRef>
+        </p:style>
+        <p:txBody>
+          <a:bodyPr rtlCol="0" anchor="ctr"/>
+          <a:lstStyle/>
+          <a:p>
+            <a:pPr algn="ctr"/>
+            <a:endParaRPr kumimoji="1" lang="zh-TW" altLang="en-US"/>
+          </a:p>
+        </p:txBody>
+      </p:sp>
+      <p:sp>
+        <p:nvSpPr>
+          <p:cNvPr id="25" name="矩形 24">
+            <a:extLst>
+              <a:ext uri="{FF2B5EF4-FFF2-40B4-BE49-F238E27FC236}">
+                <a16:creationId xmlns:a16="http://schemas.microsoft.com/office/drawing/2014/main" id="{2614B774-A179-7428-47C2-F887B292401F}"/>
+              </a:ext>
+            </a:extLst>
+          </p:cNvPr>
+          <p:cNvSpPr/>
+          <p:nvPr/>
+        </p:nvSpPr>
+        <p:spPr>
+          <a:xfrm>
+            <a:off x="8893729" y="6311900"/>
+            <a:ext cx="385893" cy="360726"/>
+          </a:xfrm>
+          <a:prstGeom prst="rect">
+            <a:avLst/>
+          </a:prstGeom>
+        </p:spPr>
+        <p:style>
+          <a:lnRef idx="3">
+            <a:schemeClr val="lt1"/>
+          </a:lnRef>
+          <a:fillRef idx="1">
+            <a:schemeClr val="accent3"/>
+          </a:fillRef>
+          <a:effectRef idx="1">
+            <a:schemeClr val="accent3"/>
+          </a:effectRef>
+          <a:fontRef idx="minor">
+            <a:schemeClr val="lt1"/>
+          </a:fontRef>
+        </p:style>
+        <p:txBody>
+          <a:bodyPr rtlCol="0" anchor="ctr"/>
+          <a:lstStyle/>
+          <a:p>
+            <a:pPr algn="ctr"/>
+            <a:endParaRPr kumimoji="1" lang="zh-TW" altLang="en-US"/>
+          </a:p>
+        </p:txBody>
+      </p:sp>
+      <p:sp>
+        <p:nvSpPr>
+          <p:cNvPr id="26" name="矩形 25">
+            <a:extLst>
+              <a:ext uri="{FF2B5EF4-FFF2-40B4-BE49-F238E27FC236}">
+                <a16:creationId xmlns:a16="http://schemas.microsoft.com/office/drawing/2014/main" id="{E97AB690-19B8-6F85-80E5-77801116F096}"/>
+              </a:ext>
+            </a:extLst>
+          </p:cNvPr>
+          <p:cNvSpPr/>
+          <p:nvPr/>
+        </p:nvSpPr>
+        <p:spPr>
+          <a:xfrm>
+            <a:off x="9356522" y="6311900"/>
+            <a:ext cx="385893" cy="360726"/>
+          </a:xfrm>
+          <a:prstGeom prst="rect">
+            <a:avLst/>
+          </a:prstGeom>
+        </p:spPr>
+        <p:style>
+          <a:lnRef idx="3">
+            <a:schemeClr val="lt1"/>
+          </a:lnRef>
+          <a:fillRef idx="1">
+            <a:schemeClr val="accent3"/>
+          </a:fillRef>
+          <a:effectRef idx="1">
+            <a:schemeClr val="accent3"/>
+          </a:effectRef>
+          <a:fontRef idx="minor">
+            <a:schemeClr val="lt1"/>
+          </a:fontRef>
+        </p:style>
+        <p:txBody>
+          <a:bodyPr rtlCol="0" anchor="ctr"/>
+          <a:lstStyle/>
+          <a:p>
+            <a:pPr algn="ctr"/>
+            <a:endParaRPr kumimoji="1" lang="zh-TW" altLang="en-US"/>
+          </a:p>
+        </p:txBody>
+      </p:sp>
+      <p:sp>
+        <p:nvSpPr>
+          <p:cNvPr id="27" name="矩形 26">
+            <a:extLst>
+              <a:ext uri="{FF2B5EF4-FFF2-40B4-BE49-F238E27FC236}">
+                <a16:creationId xmlns:a16="http://schemas.microsoft.com/office/drawing/2014/main" id="{023B86F6-2D65-AB54-E0C0-F0A29203E27A}"/>
+              </a:ext>
+            </a:extLst>
+          </p:cNvPr>
+          <p:cNvSpPr/>
+          <p:nvPr/>
+        </p:nvSpPr>
+        <p:spPr>
+          <a:xfrm>
+            <a:off x="9819315" y="6311900"/>
+            <a:ext cx="385893" cy="360726"/>
+          </a:xfrm>
+          <a:prstGeom prst="rect">
+            <a:avLst/>
+          </a:prstGeom>
+        </p:spPr>
+        <p:style>
+          <a:lnRef idx="3">
+            <a:schemeClr val="lt1"/>
+          </a:lnRef>
+          <a:fillRef idx="1">
+            <a:schemeClr val="accent3"/>
+          </a:fillRef>
+          <a:effectRef idx="1">
+            <a:schemeClr val="accent3"/>
+          </a:effectRef>
+          <a:fontRef idx="minor">
+            <a:schemeClr val="lt1"/>
+          </a:fontRef>
+        </p:style>
+        <p:txBody>
+          <a:bodyPr rtlCol="0" anchor="ctr"/>
+          <a:lstStyle/>
+          <a:p>
+            <a:pPr algn="ctr"/>
+            <a:endParaRPr kumimoji="1" lang="zh-TW" altLang="en-US"/>
+          </a:p>
+        </p:txBody>
+      </p:sp>
+      <p:sp>
+        <p:nvSpPr>
+          <p:cNvPr id="28" name="矩形 27">
+            <a:extLst>
+              <a:ext uri="{FF2B5EF4-FFF2-40B4-BE49-F238E27FC236}">
+                <a16:creationId xmlns:a16="http://schemas.microsoft.com/office/drawing/2014/main" id="{6B3DD7B8-7F97-3B15-72F7-7C34DD865C0F}"/>
+              </a:ext>
+            </a:extLst>
+          </p:cNvPr>
+          <p:cNvSpPr/>
+          <p:nvPr/>
+        </p:nvSpPr>
+        <p:spPr>
+          <a:xfrm>
+            <a:off x="10282108" y="6311900"/>
+            <a:ext cx="385893" cy="360726"/>
+          </a:xfrm>
+          <a:prstGeom prst="rect">
+            <a:avLst/>
+          </a:prstGeom>
+        </p:spPr>
+        <p:style>
+          <a:lnRef idx="3">
+            <a:schemeClr val="lt1"/>
+          </a:lnRef>
+          <a:fillRef idx="1">
+            <a:schemeClr val="accent3"/>
+          </a:fillRef>
+          <a:effectRef idx="1">
+            <a:schemeClr val="accent3"/>
+          </a:effectRef>
+          <a:fontRef idx="minor">
+            <a:schemeClr val="lt1"/>
+          </a:fontRef>
+        </p:style>
+        <p:txBody>
+          <a:bodyPr rtlCol="0" anchor="ctr"/>
+          <a:lstStyle/>
+          <a:p>
+            <a:pPr algn="ctr"/>
+            <a:endParaRPr kumimoji="1" lang="zh-TW" altLang="en-US"/>
+          </a:p>
+        </p:txBody>
+      </p:sp>
+      <p:sp>
+        <p:nvSpPr>
+          <p:cNvPr id="29" name="笑臉 28">
+            <a:extLst>
+              <a:ext uri="{FF2B5EF4-FFF2-40B4-BE49-F238E27FC236}">
+                <a16:creationId xmlns:a16="http://schemas.microsoft.com/office/drawing/2014/main" id="{5A31C197-24A4-5717-D6B5-A0831B501EC2}"/>
+              </a:ext>
+            </a:extLst>
+          </p:cNvPr>
+          <p:cNvSpPr/>
+          <p:nvPr/>
+        </p:nvSpPr>
+        <p:spPr>
+          <a:xfrm>
+            <a:off x="2650921" y="5133822"/>
+            <a:ext cx="964734" cy="941612"/>
+          </a:xfrm>
+          <a:prstGeom prst="smileyFace">
+            <a:avLst/>
+          </a:prstGeom>
+        </p:spPr>
+        <p:style>
+          <a:lnRef idx="2">
+            <a:schemeClr val="accent3">
+              <a:shade val="15000"/>
+            </a:schemeClr>
+          </a:lnRef>
+          <a:fillRef idx="1">
+            <a:schemeClr val="accent3"/>
+          </a:fillRef>
+          <a:effectRef idx="0">
+            <a:schemeClr val="accent3"/>
+          </a:effectRef>
+          <a:fontRef idx="minor">
+            <a:schemeClr val="lt1"/>
+          </a:fontRef>
+        </p:style>
+        <p:txBody>
+          <a:bodyPr rtlCol="0" anchor="ctr"/>
+          <a:lstStyle/>
+          <a:p>
+            <a:pPr algn="ctr"/>
+            <a:endParaRPr kumimoji="1" lang="zh-TW" altLang="en-US"/>
+          </a:p>
+        </p:txBody>
+      </p:sp>
+      <p:sp>
+        <p:nvSpPr>
+          <p:cNvPr id="30" name="左-右雙向箭號 29">
+            <a:extLst>
+              <a:ext uri="{FF2B5EF4-FFF2-40B4-BE49-F238E27FC236}">
+                <a16:creationId xmlns:a16="http://schemas.microsoft.com/office/drawing/2014/main" id="{F9BDBC84-FABC-F776-6BB6-0A8D852D56E8}"/>
+              </a:ext>
+            </a:extLst>
+          </p:cNvPr>
+          <p:cNvSpPr/>
+          <p:nvPr/>
+        </p:nvSpPr>
+        <p:spPr>
+          <a:xfrm rot="21136206">
+            <a:off x="3684704" y="5090358"/>
+            <a:ext cx="6392647" cy="315150"/>
+          </a:xfrm>
+          <a:prstGeom prst="leftRightArrow">
+            <a:avLst/>
+          </a:prstGeom>
+        </p:spPr>
+        <p:style>
+          <a:lnRef idx="2">
+            <a:schemeClr val="accent1">
+              <a:shade val="15000"/>
+            </a:schemeClr>
+          </a:lnRef>
+          <a:fillRef idx="1">
+            <a:schemeClr val="accent1"/>
+          </a:fillRef>
+          <a:effectRef idx="0">
+            <a:schemeClr val="accent1"/>
+          </a:effectRef>
+          <a:fontRef idx="minor">
+            <a:schemeClr val="lt1"/>
+          </a:fontRef>
+        </p:style>
+        <p:txBody>
+          <a:bodyPr rtlCol="0" anchor="ctr"/>
+          <a:lstStyle/>
+          <a:p>
+            <a:pPr algn="ctr"/>
+            <a:endParaRPr kumimoji="1" lang="zh-TW" altLang="en-US"/>
+          </a:p>
+        </p:txBody>
+      </p:sp>
+    </p:spTree>
+    <p:extLst>
+      <p:ext uri="{BB962C8B-B14F-4D97-AF65-F5344CB8AC3E}">
+        <p14:creationId xmlns:p14="http://schemas.microsoft.com/office/powerpoint/2010/main" val="538282872"/>
+      </p:ext>
+    </p:extLst>
+  </p:cSld>
+  <p:clrMapOvr>
+    <a:masterClrMapping/>
+  </p:clrMapOvr>
+</p:sld>
+</file>
+
+<file path=ppt/slides/slide11.xml><?xml version="1.0" encoding="utf-8"?>
+<p:sld xmlns:a="http://schemas.openxmlformats.org/drawingml/2006/main" xmlns:r="http://schemas.openxmlformats.org/officeDocument/2006/relationships" xmlns:p="http://schemas.openxmlformats.org/presentationml/2006/main">
+  <p:cSld>
+    <p:spTree>
+      <p:nvGrpSpPr>
+        <p:cNvPr id="1" name=""/>
+        <p:cNvGrpSpPr/>
+        <p:nvPr/>
+      </p:nvGrpSpPr>
+      <p:grpSpPr>
+        <a:xfrm>
+          <a:off x="0" y="0"/>
+          <a:ext cx="0" cy="0"/>
+          <a:chOff x="0" y="0"/>
+          <a:chExt cx="0" cy="0"/>
+        </a:xfrm>
+      </p:grpSpPr>
+      <p:pic>
+        <p:nvPicPr>
+          <p:cNvPr id="5" name="圖片 4">
+            <a:extLst>
+              <a:ext uri="{FF2B5EF4-FFF2-40B4-BE49-F238E27FC236}">
+                <a16:creationId xmlns:a16="http://schemas.microsoft.com/office/drawing/2014/main" id="{A9421085-B52E-2428-0ADC-DB1AAD291167}"/>
+              </a:ext>
+            </a:extLst>
+          </p:cNvPr>
+          <p:cNvPicPr>
+            <a:picLocks noChangeAspect="1"/>
+          </p:cNvPicPr>
+          <p:nvPr/>
+        </p:nvPicPr>
+        <p:blipFill>
+          <a:blip r:embed="rId2"/>
+          <a:stretch>
+            <a:fillRect/>
+          </a:stretch>
+        </p:blipFill>
+        <p:spPr>
+          <a:xfrm>
+            <a:off x="0" y="0"/>
+            <a:ext cx="7772400" cy="4025650"/>
+          </a:xfrm>
+          <a:prstGeom prst="rect">
+            <a:avLst/>
+          </a:prstGeom>
+        </p:spPr>
+      </p:pic>
+      <p:pic>
+        <p:nvPicPr>
+          <p:cNvPr id="4" name="圖片 3">
+            <a:extLst>
+              <a:ext uri="{FF2B5EF4-FFF2-40B4-BE49-F238E27FC236}">
+                <a16:creationId xmlns:a16="http://schemas.microsoft.com/office/drawing/2014/main" id="{330CD040-AD31-348C-E7D4-B6020A079871}"/>
+              </a:ext>
+            </a:extLst>
+          </p:cNvPr>
+          <p:cNvPicPr>
+            <a:picLocks noChangeAspect="1"/>
+          </p:cNvPicPr>
+          <p:nvPr/>
+        </p:nvPicPr>
+        <p:blipFill>
+          <a:blip r:embed="rId3"/>
+          <a:stretch>
+            <a:fillRect/>
+          </a:stretch>
+        </p:blipFill>
+        <p:spPr>
+          <a:xfrm>
+            <a:off x="6187948" y="0"/>
+            <a:ext cx="6110312" cy="4025650"/>
+          </a:xfrm>
+          <a:prstGeom prst="rect">
+            <a:avLst/>
+          </a:prstGeom>
+        </p:spPr>
+      </p:pic>
+      <p:sp>
+        <p:nvSpPr>
+          <p:cNvPr id="8" name="文字方塊 7">
+            <a:extLst>
+              <a:ext uri="{FF2B5EF4-FFF2-40B4-BE49-F238E27FC236}">
+                <a16:creationId xmlns:a16="http://schemas.microsoft.com/office/drawing/2014/main" id="{BEF7FDA8-E09B-7A6A-84C5-DACE8B2409DA}"/>
+              </a:ext>
+            </a:extLst>
+          </p:cNvPr>
+          <p:cNvSpPr txBox="1"/>
+          <p:nvPr/>
+        </p:nvSpPr>
+        <p:spPr>
+          <a:xfrm>
+            <a:off x="-177567" y="4711226"/>
+            <a:ext cx="12257714" cy="1323439"/>
+          </a:xfrm>
+          <a:prstGeom prst="rect">
+            <a:avLst/>
+          </a:prstGeom>
+          <a:noFill/>
+        </p:spPr>
+        <p:txBody>
+          <a:bodyPr wrap="square">
+            <a:spAutoFit/>
+          </a:bodyPr>
+          <a:lstStyle/>
+          <a:p>
+            <a:pPr marL="742950" lvl="1" indent="-285750">
+              <a:buFont typeface="Arial" panose="020B0604020202020204" pitchFamily="34" charset="0"/>
+              <a:buChar char="•"/>
+            </a:pPr>
+            <a:r>
+              <a:rPr lang="zh-TW" altLang="en-US" sz="2000" dirty="0"/>
+              <a:t>整體</a:t>
+            </a:r>
+            <a:r>
+              <a:rPr lang="en-US" altLang="zh-TW" sz="2000" dirty="0"/>
+              <a:t> : </a:t>
+            </a:r>
+            <a:r>
+              <a:rPr lang="en" altLang="zh-TW" sz="2000" dirty="0"/>
+              <a:t>https://machinelearning.apple.com/research/introducing-apple-foundation-models</a:t>
+            </a:r>
+          </a:p>
+          <a:p>
+            <a:pPr marL="742950" lvl="1" indent="-285750">
+              <a:buFont typeface="Arial" panose="020B0604020202020204" pitchFamily="34" charset="0"/>
+              <a:buChar char="•"/>
+            </a:pPr>
+            <a:r>
+              <a:rPr lang="zh-TW" altLang="en-US" sz="2000" dirty="0"/>
+              <a:t>私有雲端</a:t>
+            </a:r>
+            <a:r>
+              <a:rPr lang="en-US" altLang="zh-TW" sz="2000" dirty="0"/>
+              <a:t> : </a:t>
+            </a:r>
+            <a:r>
+              <a:rPr lang="en" altLang="zh-TW" sz="2000" dirty="0"/>
+              <a:t>https://security.apple.com/blog/private-cloud-compute/</a:t>
+            </a:r>
+          </a:p>
+          <a:p>
+            <a:pPr marL="742950" lvl="1" indent="-285750">
+              <a:buFont typeface="Arial" panose="020B0604020202020204" pitchFamily="34" charset="0"/>
+              <a:buChar char="•"/>
+            </a:pPr>
+            <a:r>
+              <a:rPr lang="zh-TW" altLang="en-US" sz="2000" dirty="0"/>
+              <a:t>廣告</a:t>
+            </a:r>
+            <a:r>
+              <a:rPr lang="en-US" altLang="zh-TW" sz="2000" dirty="0"/>
+              <a:t> : </a:t>
+            </a:r>
+            <a:r>
+              <a:rPr lang="en" altLang="zh-TW" sz="2000" dirty="0"/>
+              <a:t>https://www.apple.com/apple-intelligence/</a:t>
+            </a:r>
+          </a:p>
+          <a:p>
+            <a:pPr marL="742950" lvl="1" indent="-285750">
+              <a:buFont typeface="Arial" panose="020B0604020202020204" pitchFamily="34" charset="0"/>
+              <a:buChar char="•"/>
+            </a:pPr>
+            <a:r>
+              <a:rPr lang="zh-TW" altLang="en-US" sz="2000" dirty="0"/>
+              <a:t>硬體通信方案</a:t>
+            </a:r>
+            <a:r>
+              <a:rPr lang="en-US" altLang="zh-TW" sz="2000" dirty="0"/>
+              <a:t> : </a:t>
+            </a:r>
+            <a:r>
+              <a:rPr lang="en" altLang="zh-TW" sz="2000" dirty="0"/>
+              <a:t>https://support.apple.com/guide/security/data-protection-overview-secf6276da8a/web</a:t>
+            </a:r>
+          </a:p>
+        </p:txBody>
+      </p:sp>
+    </p:spTree>
+    <p:extLst>
+      <p:ext uri="{BB962C8B-B14F-4D97-AF65-F5344CB8AC3E}">
+        <p14:creationId xmlns:p14="http://schemas.microsoft.com/office/powerpoint/2010/main" val="3432072044"/>
+      </p:ext>
+    </p:extLst>
+  </p:cSld>
+  <p:clrMapOvr>
+    <a:masterClrMapping/>
+  </p:clrMapOvr>
+</p:sld>
+</file>
+
+<file path=ppt/slides/slide12.xml><?xml version="1.0" encoding="utf-8"?>
+<p:sld xmlns:a="http://schemas.openxmlformats.org/drawingml/2006/main" xmlns:r="http://schemas.openxmlformats.org/officeDocument/2006/relationships" xmlns:p="http://schemas.openxmlformats.org/presentationml/2006/main">
+  <p:cSld>
+    <p:spTree>
+      <p:nvGrpSpPr>
+        <p:cNvPr id="1" name=""/>
+        <p:cNvGrpSpPr/>
+        <p:nvPr/>
+      </p:nvGrpSpPr>
+      <p:grpSpPr>
+        <a:xfrm>
+          <a:off x="0" y="0"/>
+          <a:ext cx="0" cy="0"/>
+          <a:chOff x="0" y="0"/>
+          <a:chExt cx="0" cy="0"/>
+        </a:xfrm>
+      </p:grpSpPr>
+      <p:sp>
+        <p:nvSpPr>
+          <p:cNvPr id="2" name="標題 1">
+            <a:extLst>
+              <a:ext uri="{FF2B5EF4-FFF2-40B4-BE49-F238E27FC236}">
+                <a16:creationId xmlns:a16="http://schemas.microsoft.com/office/drawing/2014/main" id="{082FC908-131A-0441-0FE6-3F3D7B0CF3DD}"/>
+              </a:ext>
+            </a:extLst>
+          </p:cNvPr>
+          <p:cNvSpPr>
+            <a:spLocks noGrp="1"/>
+          </p:cNvSpPr>
+          <p:nvPr>
+            <p:ph type="title"/>
+          </p:nvPr>
+        </p:nvSpPr>
+        <p:spPr/>
+        <p:txBody>
+          <a:bodyPr/>
+          <a:lstStyle/>
+          <a:p>
+            <a:r>
+              <a:rPr kumimoji="1" lang="en-US" altLang="zh-TW" dirty="0"/>
+              <a:t>Challenge</a:t>
+            </a:r>
+            <a:endParaRPr kumimoji="1" lang="zh-TW" altLang="en-US" dirty="0"/>
+          </a:p>
+        </p:txBody>
+      </p:sp>
+      <p:sp>
+        <p:nvSpPr>
+          <p:cNvPr id="3" name="內容版面配置區 2">
+            <a:extLst>
+              <a:ext uri="{FF2B5EF4-FFF2-40B4-BE49-F238E27FC236}">
+                <a16:creationId xmlns:a16="http://schemas.microsoft.com/office/drawing/2014/main" id="{1208A79D-E026-443A-DCCB-46A829E8BCD3}"/>
+              </a:ext>
+            </a:extLst>
+          </p:cNvPr>
+          <p:cNvSpPr>
+            <a:spLocks noGrp="1"/>
+          </p:cNvSpPr>
+          <p:nvPr>
+            <p:ph idx="1"/>
+          </p:nvPr>
+        </p:nvSpPr>
+        <p:spPr/>
+        <p:txBody>
+          <a:bodyPr/>
+          <a:lstStyle/>
+          <a:p>
+            <a:r>
+              <a:rPr lang="en" altLang="zh-TW" b="1" i="0" dirty="0">
+                <a:effectLst/>
+                <a:latin typeface="SF Pro Text"/>
+              </a:rPr>
+              <a:t>Cloud AI security and privacy guarantees are difficult to verify and enforce</a:t>
+            </a:r>
+          </a:p>
+          <a:p>
+            <a:r>
+              <a:rPr lang="en" altLang="zh-TW" b="1" i="0" dirty="0">
+                <a:effectLst/>
+                <a:latin typeface="SF Pro Text"/>
+              </a:rPr>
+              <a:t>It’s difficult to provide runtime transparency for AI in the cloud.</a:t>
+            </a:r>
+            <a:endParaRPr lang="en" altLang="zh-TW" b="1" dirty="0">
+              <a:latin typeface="SF Pro Text"/>
+            </a:endParaRPr>
+          </a:p>
+          <a:p>
+            <a:r>
+              <a:rPr lang="en" altLang="zh-TW" b="1" i="0" dirty="0">
+                <a:effectLst/>
+                <a:latin typeface="SF Pro Text"/>
+              </a:rPr>
+              <a:t>It’s challenging for cloud AI environments to enforce strong limits to privileged access.</a:t>
+            </a:r>
+            <a:endParaRPr kumimoji="1" lang="zh-TW" altLang="en-US" dirty="0"/>
+          </a:p>
+        </p:txBody>
+      </p:sp>
+    </p:spTree>
+    <p:extLst>
+      <p:ext uri="{BB962C8B-B14F-4D97-AF65-F5344CB8AC3E}">
+        <p14:creationId xmlns:p14="http://schemas.microsoft.com/office/powerpoint/2010/main" val="3116421552"/>
+      </p:ext>
+    </p:extLst>
+  </p:cSld>
+  <p:clrMapOvr>
+    <a:masterClrMapping/>
+  </p:clrMapOvr>
+</p:sld>
+</file>
+
+<file path=ppt/slides/slide13.xml><?xml version="1.0" encoding="utf-8"?>
+<p:sld xmlns:a="http://schemas.openxmlformats.org/drawingml/2006/main" xmlns:r="http://schemas.openxmlformats.org/officeDocument/2006/relationships" xmlns:p="http://schemas.openxmlformats.org/presentationml/2006/main">
+  <p:cSld>
+    <p:spTree>
+      <p:nvGrpSpPr>
+        <p:cNvPr id="1" name=""/>
+        <p:cNvGrpSpPr/>
+        <p:nvPr/>
+      </p:nvGrpSpPr>
+      <p:grpSpPr>
+        <a:xfrm>
+          <a:off x="0" y="0"/>
+          <a:ext cx="0" cy="0"/>
+          <a:chOff x="0" y="0"/>
+          <a:chExt cx="0" cy="0"/>
+        </a:xfrm>
+      </p:grpSpPr>
+      <p:sp>
+        <p:nvSpPr>
+          <p:cNvPr id="2" name="標題 1">
+            <a:extLst>
+              <a:ext uri="{FF2B5EF4-FFF2-40B4-BE49-F238E27FC236}">
+                <a16:creationId xmlns:a16="http://schemas.microsoft.com/office/drawing/2014/main" id="{082FC908-131A-0441-0FE6-3F3D7B0CF3DD}"/>
+              </a:ext>
+            </a:extLst>
+          </p:cNvPr>
+          <p:cNvSpPr>
+            <a:spLocks noGrp="1"/>
+          </p:cNvSpPr>
+          <p:nvPr>
+            <p:ph type="title"/>
+          </p:nvPr>
+        </p:nvSpPr>
+        <p:spPr/>
+        <p:txBody>
+          <a:bodyPr/>
+          <a:lstStyle/>
+          <a:p>
+            <a:r>
+              <a:rPr kumimoji="1" lang="en-US" altLang="zh-TW" dirty="0"/>
+              <a:t>Design</a:t>
+            </a:r>
+            <a:endParaRPr kumimoji="1" lang="zh-TW" altLang="en-US" dirty="0"/>
+          </a:p>
+        </p:txBody>
+      </p:sp>
+      <p:sp>
+        <p:nvSpPr>
+          <p:cNvPr id="3" name="內容版面配置區 2">
+            <a:extLst>
+              <a:ext uri="{FF2B5EF4-FFF2-40B4-BE49-F238E27FC236}">
+                <a16:creationId xmlns:a16="http://schemas.microsoft.com/office/drawing/2014/main" id="{1208A79D-E026-443A-DCCB-46A829E8BCD3}"/>
+              </a:ext>
+            </a:extLst>
+          </p:cNvPr>
+          <p:cNvSpPr>
+            <a:spLocks noGrp="1"/>
+          </p:cNvSpPr>
+          <p:nvPr>
+            <p:ph idx="1"/>
+          </p:nvPr>
+        </p:nvSpPr>
+        <p:spPr/>
+        <p:txBody>
+          <a:bodyPr/>
+          <a:lstStyle/>
+          <a:p>
+            <a:pPr algn="l"/>
+            <a:r>
+              <a:rPr lang="zh-TW" altLang="en-US" b="1" i="0" dirty="0">
+                <a:effectLst/>
+                <a:latin typeface="SF Pro TC"/>
+              </a:rPr>
+              <a:t>引入私有雲運算節點</a:t>
+            </a:r>
+            <a:endParaRPr lang="en-US" altLang="zh-TW" b="1" i="0" dirty="0">
+              <a:effectLst/>
+              <a:latin typeface="SF Pro TC"/>
+            </a:endParaRPr>
+          </a:p>
+          <a:p>
+            <a:pPr algn="l"/>
+            <a:r>
+              <a:rPr lang="zh-TW" altLang="en-US" b="1" i="0" dirty="0">
+                <a:effectLst/>
+                <a:latin typeface="SF Pro TC"/>
+              </a:rPr>
+              <a:t>無狀態計算和可執行的保證</a:t>
+            </a:r>
+          </a:p>
+          <a:p>
+            <a:pPr algn="l"/>
+            <a:r>
+              <a:rPr lang="zh-TW" altLang="en-US" b="1" i="0" dirty="0">
+                <a:effectLst/>
+                <a:latin typeface="SF Pro TC"/>
+              </a:rPr>
+              <a:t>沒有特權訪問</a:t>
+            </a:r>
+            <a:r>
+              <a:rPr lang="zh-TW" altLang="en-US" b="1" dirty="0">
+                <a:latin typeface="SF Pro TC"/>
+              </a:rPr>
+              <a:t>方案</a:t>
+            </a:r>
+            <a:endParaRPr lang="zh-TW" altLang="en-US" b="1" i="0" dirty="0">
+              <a:effectLst/>
+              <a:latin typeface="SF Pro TC"/>
+            </a:endParaRPr>
+          </a:p>
+          <a:p>
+            <a:r>
+              <a:rPr lang="zh-TW" altLang="en-US" b="1" i="0" dirty="0">
+                <a:effectLst/>
+                <a:latin typeface="SF Pro TC"/>
+              </a:rPr>
+              <a:t>不可定向性</a:t>
+            </a:r>
+          </a:p>
+          <a:p>
+            <a:pPr algn="l"/>
+            <a:r>
+              <a:rPr lang="zh-TW" altLang="en-US" b="1" i="0" dirty="0">
+                <a:effectLst/>
+                <a:latin typeface="SF Pro TC"/>
+              </a:rPr>
+              <a:t>可驗證的透明度</a:t>
+            </a:r>
+            <a:endParaRPr lang="zh-TW" altLang="en-US" b="1" i="0" dirty="0">
+              <a:solidFill>
+                <a:srgbClr val="F5F5F7"/>
+              </a:solidFill>
+              <a:effectLst/>
+              <a:latin typeface="SF Pro TC"/>
+            </a:endParaRPr>
+          </a:p>
+        </p:txBody>
+      </p:sp>
+    </p:spTree>
+    <p:extLst>
+      <p:ext uri="{BB962C8B-B14F-4D97-AF65-F5344CB8AC3E}">
+        <p14:creationId xmlns:p14="http://schemas.microsoft.com/office/powerpoint/2010/main" val="3342348"/>
+      </p:ext>
+    </p:extLst>
+  </p:cSld>
+  <p:clrMapOvr>
+    <a:masterClrMapping/>
+  </p:clrMapOvr>
+</p:sld>
+</file>
+
 <file path=ppt/slides/slide2.xml><?xml version="1.0" encoding="utf-8"?>
 <p:sld xmlns:a="http://schemas.openxmlformats.org/drawingml/2006/main" xmlns:r="http://schemas.openxmlformats.org/officeDocument/2006/relationships" xmlns:p="http://schemas.openxmlformats.org/presentationml/2006/main">
   <p:cSld>
@@ -3467,7 +5313,7 @@
         <p:spPr/>
         <p:txBody>
           <a:bodyPr>
-            <a:normAutofit fontScale="92500" lnSpcReduction="20000"/>
+            <a:normAutofit/>
           </a:bodyPr>
           <a:lstStyle/>
           <a:p>
@@ -3527,7 +5373,7 @@
                 </a:solidFill>
                 <a:latin typeface="Arial" panose="020B0604020202020204" pitchFamily="34" charset="0"/>
               </a:rPr>
-              <a:t>要明確說明與學長的差異</a:t>
+              <a:t>要明確說明與學長的差異，從本質上解決使用者認證問題</a:t>
             </a:r>
             <a:endParaRPr kumimoji="1" lang="en-US" altLang="zh-TW" dirty="0">
               <a:solidFill>
@@ -3537,82 +5383,6 @@
             </a:endParaRPr>
           </a:p>
           <a:p>
-            <a:pPr lvl="1"/>
-            <a:r>
-              <a:rPr kumimoji="1" lang="zh-TW" altLang="en-US" dirty="0">
-                <a:solidFill>
-                  <a:srgbClr val="222222"/>
-                </a:solidFill>
-                <a:latin typeface="Arial" panose="020B0604020202020204" pitchFamily="34" charset="0"/>
-              </a:rPr>
-              <a:t>要從本質上解決使用者認證問題</a:t>
-            </a:r>
-            <a:r>
-              <a:rPr kumimoji="1" lang="en-US" altLang="zh-TW" dirty="0">
-                <a:solidFill>
-                  <a:srgbClr val="222222"/>
-                </a:solidFill>
-                <a:latin typeface="Arial" panose="020B0604020202020204" pitchFamily="34" charset="0"/>
-              </a:rPr>
-              <a:t>(”</a:t>
-            </a:r>
-            <a:r>
-              <a:rPr kumimoji="1" lang="zh-TW" altLang="en-US" dirty="0">
-                <a:solidFill>
-                  <a:srgbClr val="222222"/>
-                </a:solidFill>
-                <a:latin typeface="Arial" panose="020B0604020202020204" pitchFamily="34" charset="0"/>
-              </a:rPr>
-              <a:t>論</a:t>
-            </a:r>
-            <a:r>
-              <a:rPr kumimoji="1" lang="en-US" altLang="zh-TW" dirty="0">
-                <a:solidFill>
-                  <a:srgbClr val="222222"/>
-                </a:solidFill>
-                <a:latin typeface="Arial" panose="020B0604020202020204" pitchFamily="34" charset="0"/>
-              </a:rPr>
-              <a:t>”</a:t>
-            </a:r>
-            <a:r>
-              <a:rPr kumimoji="1" lang="zh-TW" altLang="en-US" dirty="0">
-                <a:solidFill>
-                  <a:srgbClr val="222222"/>
-                </a:solidFill>
-                <a:latin typeface="Arial" panose="020B0604020202020204" pitchFamily="34" charset="0"/>
-              </a:rPr>
-              <a:t>不只</a:t>
-            </a:r>
-            <a:r>
-              <a:rPr kumimoji="1" lang="en-US" altLang="zh-TW" dirty="0">
-                <a:solidFill>
-                  <a:srgbClr val="222222"/>
-                </a:solidFill>
-                <a:latin typeface="Arial" panose="020B0604020202020204" pitchFamily="34" charset="0"/>
-              </a:rPr>
-              <a:t>”</a:t>
-            </a:r>
-            <a:r>
-              <a:rPr kumimoji="1" lang="zh-TW" altLang="en-US" dirty="0">
-                <a:solidFill>
-                  <a:srgbClr val="222222"/>
-                </a:solidFill>
-                <a:latin typeface="Arial" panose="020B0604020202020204" pitchFamily="34" charset="0"/>
-              </a:rPr>
-              <a:t>文</a:t>
-            </a:r>
-            <a:r>
-              <a:rPr kumimoji="1" lang="en-US" altLang="zh-TW" dirty="0">
-                <a:solidFill>
-                  <a:srgbClr val="222222"/>
-                </a:solidFill>
-                <a:latin typeface="Arial" panose="020B0604020202020204" pitchFamily="34" charset="0"/>
-              </a:rPr>
-              <a:t>”)</a:t>
-            </a:r>
-            <a:endParaRPr kumimoji="1" lang="en-US" altLang="zh-TW" dirty="0"/>
-          </a:p>
-          <a:p>
             <a:r>
               <a:rPr kumimoji="1" lang="zh-TW" altLang="en-US" dirty="0"/>
               <a:t>蔡孟峰老師</a:t>
@@ -3625,49 +5395,10 @@
           <a:p>
             <a:pPr lvl="1"/>
             <a:r>
-              <a:rPr kumimoji="1" lang="en-US" altLang="zh-TW" dirty="0"/>
-              <a:t>Action </a:t>
-            </a:r>
-            <a:r>
               <a:rPr kumimoji="1" lang="zh-TW" altLang="en-US" dirty="0"/>
-              <a:t>和 </a:t>
-            </a:r>
-            <a:r>
-              <a:rPr kumimoji="1" lang="en-US" altLang="zh-TW" dirty="0"/>
-              <a:t>Data </a:t>
-            </a:r>
-            <a:r>
-              <a:rPr kumimoji="1" lang="zh-TW" altLang="en-US" dirty="0"/>
-              <a:t>可以不要分開討論</a:t>
+              <a:t>一般化敘述用詞</a:t>
             </a:r>
             <a:endParaRPr kumimoji="1" lang="en-US" altLang="zh-TW" dirty="0"/>
-          </a:p>
-          <a:p>
-            <a:pPr lvl="1"/>
-            <a:r>
-              <a:rPr kumimoji="1" lang="zh-TW" altLang="en-US" dirty="0"/>
-              <a:t>一般化敘述用詞 </a:t>
-            </a:r>
-            <a:r>
-              <a:rPr kumimoji="1" lang="en-US" altLang="zh-TW" dirty="0"/>
-              <a:t>(</a:t>
-            </a:r>
-            <a:r>
-              <a:rPr kumimoji="1" lang="zh-TW" altLang="en-US" dirty="0"/>
-              <a:t>補充問題</a:t>
-            </a:r>
-            <a:r>
-              <a:rPr kumimoji="1" lang="en-US" altLang="zh-TW" dirty="0"/>
-              <a:t>: </a:t>
-            </a:r>
-            <a:r>
-              <a:rPr kumimoji="1" lang="zh-TW" altLang="en-US" dirty="0"/>
-              <a:t>可以改前人的稱呼嗎</a:t>
-            </a:r>
-            <a:r>
-              <a:rPr kumimoji="1" lang="en-US" altLang="zh-TW" dirty="0"/>
-              <a:t>? Ex: aid server vs aid center, wallet vs client)</a:t>
-            </a:r>
           </a:p>
           <a:p>
             <a:pPr lvl="1"/>
@@ -4953,77 +6684,6 @@
           </a:p>
         </p:txBody>
       </p:sp>
-      <p:sp>
-        <p:nvSpPr>
-          <p:cNvPr id="13" name="文字方塊 12">
-            <a:extLst>
-              <a:ext uri="{FF2B5EF4-FFF2-40B4-BE49-F238E27FC236}">
-                <a16:creationId xmlns:a16="http://schemas.microsoft.com/office/drawing/2014/main" id="{40E944CF-02C5-0B36-B9FB-9804CCC42F75}"/>
-              </a:ext>
-            </a:extLst>
-          </p:cNvPr>
-          <p:cNvSpPr txBox="1"/>
-          <p:nvPr/>
-        </p:nvSpPr>
-        <p:spPr>
-          <a:xfrm>
-            <a:off x="3960911" y="5752116"/>
-            <a:ext cx="4033692" cy="923330"/>
-          </a:xfrm>
-          <a:prstGeom prst="rect">
-            <a:avLst/>
-          </a:prstGeom>
-          <a:noFill/>
-        </p:spPr>
-        <p:txBody>
-          <a:bodyPr wrap="square" rtlCol="0">
-            <a:spAutoFit/>
-          </a:bodyPr>
-          <a:lstStyle/>
-          <a:p>
-            <a:r>
-              <a:rPr kumimoji="1" lang="zh-TW" altLang="en-US" dirty="0">
-                <a:solidFill>
-                  <a:srgbClr val="FF0000"/>
-                </a:solidFill>
-              </a:rPr>
-              <a:t>學長解決的問題就是讓第三方可以簽章使用者提出的</a:t>
-            </a:r>
-            <a:r>
-              <a:rPr kumimoji="1" lang="en-US" altLang="zh-TW" dirty="0">
-                <a:solidFill>
-                  <a:srgbClr val="FF0000"/>
-                </a:solidFill>
-              </a:rPr>
-              <a:t> User Profile</a:t>
-            </a:r>
-            <a:r>
-              <a:rPr kumimoji="1" lang="zh-TW" altLang="en-US" dirty="0">
-                <a:solidFill>
-                  <a:srgbClr val="FF0000"/>
-                </a:solidFill>
-              </a:rPr>
-              <a:t>，這是讓</a:t>
-            </a:r>
-            <a:r>
-              <a:rPr kumimoji="1" lang="en-US" altLang="zh-TW" dirty="0">
-                <a:solidFill>
-                  <a:srgbClr val="FF0000"/>
-                </a:solidFill>
-              </a:rPr>
-              <a:t>AID</a:t>
-            </a:r>
-            <a:r>
-              <a:rPr kumimoji="1" lang="zh-TW" altLang="en-US" dirty="0">
-                <a:solidFill>
-                  <a:srgbClr val="FF0000"/>
-                </a:solidFill>
-              </a:rPr>
-              <a:t>可以實名制的必要手段</a:t>
-            </a:r>
-          </a:p>
-        </p:txBody>
-      </p:sp>
     </p:spTree>
     <p:extLst>
       <p:ext uri="{BB962C8B-B14F-4D97-AF65-F5344CB8AC3E}">
@@ -5596,13 +7256,27 @@
         </p:nvSpPr>
         <p:spPr/>
         <p:txBody>
-          <a:bodyPr/>
-          <a:lstStyle/>
-          <a:p>
-            <a:r>
-              <a:rPr kumimoji="1" lang="zh-TW" altLang="en-US" dirty="0"/>
-              <a:t>要明確說明與學長的差異</a:t>
-            </a:r>
+          <a:bodyPr>
+            <a:normAutofit/>
+          </a:bodyPr>
+          <a:lstStyle/>
+          <a:p>
+            <a:pPr lvl="1"/>
+            <a:r>
+              <a:rPr kumimoji="1" lang="zh-TW" altLang="en-US" sz="3200" dirty="0">
+                <a:solidFill>
+                  <a:srgbClr val="222222"/>
+                </a:solidFill>
+                <a:latin typeface="Arial" panose="020B0604020202020204" pitchFamily="34" charset="0"/>
+              </a:rPr>
+              <a:t>要明確說明與學長的差異，從本質上解決使用者認證問題</a:t>
+            </a:r>
+            <a:endParaRPr kumimoji="1" lang="en-US" altLang="zh-TW" sz="3200" dirty="0">
+              <a:solidFill>
+                <a:srgbClr val="222222"/>
+              </a:solidFill>
+              <a:latin typeface="Arial" panose="020B0604020202020204" pitchFamily="34" charset="0"/>
+            </a:endParaRPr>
           </a:p>
         </p:txBody>
       </p:sp>
@@ -6113,7 +7787,7 @@
                 </a:solidFill>
                 <a:latin typeface="Arial" panose="020B0604020202020204" pitchFamily="34" charset="0"/>
               </a:rPr>
-              <a:t>: </a:t>
+              <a:t>:</a:t>
             </a:r>
             <a:r>
               <a:rPr kumimoji="1" lang="zh-TW" altLang="en-US" dirty="0">
@@ -6122,7 +7796,7 @@
                 </a:solidFill>
                 <a:latin typeface="Arial" panose="020B0604020202020204" pitchFamily="34" charset="0"/>
               </a:rPr>
-              <a:t>可以強佔別人的</a:t>
+              <a:t>全球化後可以強佔別人的</a:t>
             </a:r>
             <a:r>
               <a:rPr kumimoji="1" lang="en-US" altLang="zh-TW" dirty="0">
@@ -6526,8 +8200,45 @@
           <a:p>
             <a:r>
               <a:rPr kumimoji="1" lang="zh-TW" altLang="en-US" dirty="0"/>
-              <a:t>重新組織邏輯</a:t>
-            </a:r>
+              <a:t>重新組織邏輯為</a:t>
+            </a:r>
+            <a:r>
+              <a:rPr kumimoji="1" lang="zh-TW" altLang="en-US" dirty="0">
+                <a:solidFill>
+                  <a:srgbClr val="FF0000"/>
+                </a:solidFill>
+              </a:rPr>
+              <a:t>追加功能</a:t>
+            </a:r>
+            <a:r>
+              <a:rPr kumimoji="1" lang="en-US" altLang="zh-TW" dirty="0">
+                <a:solidFill>
+                  <a:srgbClr val="FF0000"/>
+                </a:solidFill>
+              </a:rPr>
+              <a:t> (</a:t>
+            </a:r>
+            <a:r>
+              <a:rPr kumimoji="1" lang="zh-TW" altLang="en-US" dirty="0">
+                <a:solidFill>
+                  <a:srgbClr val="FF0000"/>
+                </a:solidFill>
+              </a:rPr>
+              <a:t>目的與作法</a:t>
+            </a:r>
+            <a:r>
+              <a:rPr kumimoji="1" lang="en-US" altLang="zh-TW" dirty="0">
+                <a:solidFill>
+                  <a:srgbClr val="FF0000"/>
+                </a:solidFill>
+              </a:rPr>
+              <a:t>)</a:t>
+            </a:r>
+            <a:endParaRPr kumimoji="1" lang="zh-TW" altLang="en-US" dirty="0">
+              <a:solidFill>
+                <a:srgbClr val="FF0000"/>
+              </a:solidFill>
+            </a:endParaRPr>
           </a:p>
         </p:txBody>
       </p:sp>
@@ -6614,177 +8325,222 @@
               <a:rPr kumimoji="1" lang="en-US" altLang="zh-TW" dirty="0">
                 <a:latin typeface="Arial" panose="020B0604020202020204" pitchFamily="34" charset="0"/>
               </a:rPr>
-              <a:t> AID Server</a:t>
-            </a:r>
-          </a:p>
-          <a:p>
-            <a:pPr lvl="2"/>
-            <a:r>
-              <a:rPr kumimoji="1" lang="zh-TW" altLang="en-US" dirty="0">
-                <a:latin typeface="Arial" panose="020B0604020202020204" pitchFamily="34" charset="0"/>
-              </a:rPr>
-              <a:t>針對</a:t>
+              <a:t> AID Server(s) =&gt; </a:t>
+            </a:r>
+            <a:r>
+              <a:rPr kumimoji="1" lang="zh-TW" altLang="en-US" dirty="0">
+                <a:latin typeface="Arial" panose="020B0604020202020204" pitchFamily="34" charset="0"/>
+              </a:rPr>
+              <a:t>區塊鏈作為多個</a:t>
             </a:r>
             <a:r>
               <a:rPr kumimoji="1" lang="en-US" altLang="zh-TW" dirty="0">
                 <a:latin typeface="Arial" panose="020B0604020202020204" pitchFamily="34" charset="0"/>
               </a:rPr>
-              <a:t> Data </a:t>
-            </a:r>
-            <a:r>
-              <a:rPr kumimoji="1" lang="zh-TW" altLang="en-US" dirty="0">
-                <a:latin typeface="Arial" panose="020B0604020202020204" pitchFamily="34" charset="0"/>
-              </a:rPr>
-              <a:t>的</a:t>
-            </a:r>
-            <a:r>
-              <a:rPr kumimoji="1" lang="en-US" altLang="zh-TW" dirty="0">
-                <a:latin typeface="Arial" panose="020B0604020202020204" pitchFamily="34" charset="0"/>
-              </a:rPr>
-              <a:t> AC (</a:t>
-            </a:r>
-            <a:r>
-              <a:rPr kumimoji="1" lang="zh-TW" altLang="en-US" dirty="0">
-                <a:latin typeface="Arial" panose="020B0604020202020204" pitchFamily="34" charset="0"/>
-              </a:rPr>
-              <a:t>含自簽</a:t>
-            </a:r>
-            <a:r>
-              <a:rPr kumimoji="1" lang="en-US" altLang="zh-TW" dirty="0">
-                <a:latin typeface="Arial" panose="020B0604020202020204" pitchFamily="34" charset="0"/>
-              </a:rPr>
-              <a:t>, </a:t>
-            </a:r>
-            <a:r>
-              <a:rPr kumimoji="1" lang="zh-TW" altLang="en-US" dirty="0">
-                <a:latin typeface="Arial" panose="020B0604020202020204" pitchFamily="34" charset="0"/>
-              </a:rPr>
-              <a:t>與他人簽</a:t>
-            </a:r>
-            <a:r>
-              <a:rPr kumimoji="1" lang="en-US" altLang="zh-TW" dirty="0">
-                <a:latin typeface="Arial" panose="020B0604020202020204" pitchFamily="34" charset="0"/>
-              </a:rPr>
-              <a:t>)</a:t>
-            </a:r>
-          </a:p>
-          <a:p>
-            <a:pPr lvl="2"/>
-            <a:r>
-              <a:rPr kumimoji="1" lang="zh-TW" altLang="en-US" dirty="0">
-                <a:latin typeface="Arial" panose="020B0604020202020204" pitchFamily="34" charset="0"/>
-              </a:rPr>
-              <a:t>針對</a:t>
-            </a:r>
-            <a:r>
-              <a:rPr kumimoji="1" lang="en-US" altLang="zh-TW" dirty="0">
-                <a:latin typeface="Arial" panose="020B0604020202020204" pitchFamily="34" charset="0"/>
-              </a:rPr>
-              <a:t> User </a:t>
-            </a:r>
-            <a:r>
-              <a:rPr kumimoji="1" lang="zh-TW" altLang="en-US" dirty="0">
-                <a:latin typeface="Arial" panose="020B0604020202020204" pitchFamily="34" charset="0"/>
-              </a:rPr>
-              <a:t>的</a:t>
-            </a:r>
-            <a:r>
-              <a:rPr kumimoji="1" lang="en-US" altLang="zh-TW" dirty="0">
-                <a:latin typeface="Arial" panose="020B0604020202020204" pitchFamily="34" charset="0"/>
-              </a:rPr>
-              <a:t> AC (</a:t>
-            </a:r>
-            <a:r>
-              <a:rPr kumimoji="1" lang="zh-TW" altLang="en-US" dirty="0">
-                <a:latin typeface="Arial" panose="020B0604020202020204" pitchFamily="34" charset="0"/>
-              </a:rPr>
-              <a:t>含自簽</a:t>
-            </a:r>
-            <a:r>
-              <a:rPr kumimoji="1" lang="en-US" altLang="zh-TW" dirty="0">
-                <a:latin typeface="Arial" panose="020B0604020202020204" pitchFamily="34" charset="0"/>
-              </a:rPr>
-              <a:t>, </a:t>
-            </a:r>
-            <a:r>
-              <a:rPr kumimoji="1" lang="zh-TW" altLang="en-US" dirty="0">
-                <a:latin typeface="Arial" panose="020B0604020202020204" pitchFamily="34" charset="0"/>
-              </a:rPr>
-              <a:t>與他人簽</a:t>
-            </a:r>
-            <a:r>
-              <a:rPr kumimoji="1" lang="en-US" altLang="zh-TW" dirty="0">
-                <a:latin typeface="Arial" panose="020B0604020202020204" pitchFamily="34" charset="0"/>
-              </a:rPr>
-              <a:t>)</a:t>
-            </a:r>
-          </a:p>
-          <a:p>
-            <a:r>
-              <a:rPr kumimoji="1" lang="zh-TW" altLang="en-US" dirty="0">
-                <a:latin typeface="Arial" panose="020B0604020202020204" pitchFamily="34" charset="0"/>
-              </a:rPr>
-              <a:t>明確說明我在設計中的追加功能，以此說明我的設計</a:t>
+              <a:t> AID Server </a:t>
+            </a:r>
+            <a:r>
+              <a:rPr kumimoji="1" lang="zh-TW" altLang="en-US" dirty="0">
+                <a:latin typeface="Arial" panose="020B0604020202020204" pitchFamily="34" charset="0"/>
+              </a:rPr>
+              <a:t>溝通的橋樑</a:t>
             </a:r>
             <a:endParaRPr kumimoji="1" lang="en-US" altLang="zh-TW" dirty="0">
               <a:latin typeface="Arial" panose="020B0604020202020204" pitchFamily="34" charset="0"/>
             </a:endParaRPr>
           </a:p>
           <a:p>
-            <a:pPr lvl="1"/>
-            <a:r>
-              <a:rPr kumimoji="1" lang="zh-TW" altLang="en-US" dirty="0">
-                <a:latin typeface="Arial" panose="020B0604020202020204" pitchFamily="34" charset="0"/>
-              </a:rPr>
-              <a:t>數據信任機制，用戶信任機制 </a:t>
+            <a:pPr lvl="2"/>
+            <a:r>
+              <a:rPr kumimoji="1" lang="zh-TW" altLang="en-US" dirty="0">
+                <a:latin typeface="Arial" panose="020B0604020202020204" pitchFamily="34" charset="0"/>
+              </a:rPr>
+              <a:t>希望與</a:t>
             </a:r>
             <a:r>
               <a:rPr kumimoji="1" lang="en-US" altLang="zh-TW" dirty="0">
                 <a:latin typeface="Arial" panose="020B0604020202020204" pitchFamily="34" charset="0"/>
               </a:rPr>
-              <a:t>=&gt; </a:t>
-            </a:r>
-            <a:r>
-              <a:rPr kumimoji="1" lang="zh-TW" altLang="en-US" dirty="0">
-                <a:latin typeface="Arial" panose="020B0604020202020204" pitchFamily="34" charset="0"/>
-              </a:rPr>
-              <a:t>達成整個系統中所有參與者的自主</a:t>
+              <a:t> aid </a:t>
+            </a:r>
+            <a:r>
+              <a:rPr kumimoji="1" lang="zh-TW" altLang="en-US" dirty="0">
+                <a:latin typeface="Arial" panose="020B0604020202020204" pitchFamily="34" charset="0"/>
+              </a:rPr>
+              <a:t>內與 </a:t>
+            </a:r>
+            <a:r>
+              <a:rPr kumimoji="1" lang="en-US" altLang="zh-TW" dirty="0" err="1">
+                <a:latin typeface="Arial" panose="020B0604020202020204" pitchFamily="34" charset="0"/>
+              </a:rPr>
+              <a:t>uuid</a:t>
+            </a:r>
+            <a:r>
+              <a:rPr kumimoji="1" lang="en-US" altLang="zh-TW" dirty="0">
+                <a:latin typeface="Arial" panose="020B0604020202020204" pitchFamily="34" charset="0"/>
+              </a:rPr>
+              <a:t> Bind </a:t>
+            </a:r>
+            <a:r>
+              <a:rPr kumimoji="1" lang="zh-TW" altLang="en-US" dirty="0">
+                <a:latin typeface="Arial" panose="020B0604020202020204" pitchFamily="34" charset="0"/>
+              </a:rPr>
+              <a:t>的資訊用</a:t>
+            </a:r>
+            <a:r>
+              <a:rPr kumimoji="1" lang="en-US" altLang="zh-TW" dirty="0">
+                <a:latin typeface="Arial" panose="020B0604020202020204" pitchFamily="34" charset="0"/>
+              </a:rPr>
+              <a:t> hash </a:t>
+            </a:r>
+            <a:r>
+              <a:rPr kumimoji="1" lang="zh-TW" altLang="en-US" dirty="0">
+                <a:latin typeface="Arial" panose="020B0604020202020204" pitchFamily="34" charset="0"/>
+              </a:rPr>
+              <a:t>隱藏，或被第三方保證</a:t>
             </a:r>
             <a:endParaRPr kumimoji="1" lang="en-US" altLang="zh-TW" dirty="0">
               <a:latin typeface="Arial" panose="020B0604020202020204" pitchFamily="34" charset="0"/>
             </a:endParaRPr>
           </a:p>
           <a:p>
-            <a:pPr lvl="1"/>
-            <a:r>
-              <a:rPr kumimoji="1" lang="zh-TW" altLang="en-US" dirty="0">
-                <a:latin typeface="Arial" panose="020B0604020202020204" pitchFamily="34" charset="0"/>
-              </a:rPr>
-              <a:t>用戶多因素驗證</a:t>
+            <a:pPr lvl="3"/>
+            <a:r>
+              <a:rPr kumimoji="1" lang="zh-TW" altLang="en-US" dirty="0">
+                <a:latin typeface="Arial" panose="020B0604020202020204" pitchFamily="34" charset="0"/>
+              </a:rPr>
+              <a:t>針對</a:t>
             </a:r>
             <a:r>
               <a:rPr kumimoji="1" lang="en-US" altLang="zh-TW" dirty="0">
                 <a:latin typeface="Arial" panose="020B0604020202020204" pitchFamily="34" charset="0"/>
               </a:rPr>
+              <a:t> Data </a:t>
+            </a:r>
+            <a:r>
+              <a:rPr kumimoji="1" lang="zh-TW" altLang="en-US" dirty="0">
+                <a:latin typeface="Arial" panose="020B0604020202020204" pitchFamily="34" charset="0"/>
+              </a:rPr>
+              <a:t>的</a:t>
+            </a:r>
+            <a:r>
+              <a:rPr kumimoji="1" lang="en-US" altLang="zh-TW" dirty="0">
+                <a:latin typeface="Arial" panose="020B0604020202020204" pitchFamily="34" charset="0"/>
+              </a:rPr>
+              <a:t> AC (</a:t>
+            </a:r>
+            <a:r>
+              <a:rPr kumimoji="1" lang="zh-TW" altLang="en-US" dirty="0">
+                <a:latin typeface="Arial" panose="020B0604020202020204" pitchFamily="34" charset="0"/>
+              </a:rPr>
+              <a:t>含自簽</a:t>
+            </a:r>
+            <a:r>
+              <a:rPr kumimoji="1" lang="en-US" altLang="zh-TW" dirty="0">
+                <a:latin typeface="Arial" panose="020B0604020202020204" pitchFamily="34" charset="0"/>
+              </a:rPr>
               <a:t>, </a:t>
             </a:r>
             <a:r>
               <a:rPr kumimoji="1" lang="zh-TW" altLang="en-US" dirty="0">
                 <a:latin typeface="Arial" panose="020B0604020202020204" pitchFamily="34" charset="0"/>
               </a:rPr>
-              <a:t>簡易登入</a:t>
+              <a:t>與他人簽</a:t>
             </a:r>
             <a:r>
               <a:rPr kumimoji="1" lang="en-US" altLang="zh-TW" dirty="0">
                 <a:latin typeface="Arial" panose="020B0604020202020204" pitchFamily="34" charset="0"/>
               </a:rPr>
-              <a:t> =&gt; </a:t>
-            </a:r>
-            <a:r>
-              <a:rPr kumimoji="1" lang="zh-TW" altLang="en-US" dirty="0">
-                <a:latin typeface="Arial" panose="020B0604020202020204" pitchFamily="34" charset="0"/>
-              </a:rPr>
-              <a:t>用戶易用性</a:t>
+              <a:t>)</a:t>
+            </a:r>
+          </a:p>
+          <a:p>
+            <a:pPr lvl="3"/>
+            <a:r>
+              <a:rPr kumimoji="1" lang="zh-TW" altLang="en-US" dirty="0">
+                <a:latin typeface="Arial" panose="020B0604020202020204" pitchFamily="34" charset="0"/>
+              </a:rPr>
+              <a:t>針對</a:t>
+            </a:r>
+            <a:r>
+              <a:rPr kumimoji="1" lang="en-US" altLang="zh-TW" dirty="0">
+                <a:latin typeface="Arial" panose="020B0604020202020204" pitchFamily="34" charset="0"/>
+              </a:rPr>
+              <a:t> User </a:t>
+            </a:r>
+            <a:r>
+              <a:rPr kumimoji="1" lang="zh-TW" altLang="en-US" dirty="0">
+                <a:latin typeface="Arial" panose="020B0604020202020204" pitchFamily="34" charset="0"/>
+              </a:rPr>
+              <a:t>的</a:t>
+            </a:r>
+            <a:r>
+              <a:rPr kumimoji="1" lang="en-US" altLang="zh-TW" dirty="0">
+                <a:latin typeface="Arial" panose="020B0604020202020204" pitchFamily="34" charset="0"/>
+              </a:rPr>
+              <a:t> AC (</a:t>
+            </a:r>
+            <a:r>
+              <a:rPr kumimoji="1" lang="zh-TW" altLang="en-US" dirty="0">
+                <a:latin typeface="Arial" panose="020B0604020202020204" pitchFamily="34" charset="0"/>
+              </a:rPr>
+              <a:t>含自簽</a:t>
+            </a:r>
+            <a:r>
+              <a:rPr kumimoji="1" lang="en-US" altLang="zh-TW" dirty="0">
+                <a:latin typeface="Arial" panose="020B0604020202020204" pitchFamily="34" charset="0"/>
+              </a:rPr>
+              <a:t>, </a:t>
+            </a:r>
+            <a:r>
+              <a:rPr kumimoji="1" lang="zh-TW" altLang="en-US" dirty="0">
+                <a:latin typeface="Arial" panose="020B0604020202020204" pitchFamily="34" charset="0"/>
+              </a:rPr>
+              <a:t>與他人簽</a:t>
+            </a:r>
+            <a:r>
+              <a:rPr kumimoji="1" lang="en-US" altLang="zh-TW" dirty="0">
+                <a:latin typeface="Arial" panose="020B0604020202020204" pitchFamily="34" charset="0"/>
+              </a:rPr>
+              <a:t>)</a:t>
+            </a:r>
+          </a:p>
+          <a:p>
+            <a:r>
+              <a:rPr kumimoji="1" lang="zh-TW" altLang="en-US" dirty="0">
+                <a:latin typeface="Arial" panose="020B0604020202020204" pitchFamily="34" charset="0"/>
+              </a:rPr>
+              <a:t>明確說明與調整</a:t>
+            </a:r>
+            <a:r>
+              <a:rPr kumimoji="1" lang="zh-TW" altLang="en-US" dirty="0">
+                <a:solidFill>
+                  <a:srgbClr val="FF0000"/>
+                </a:solidFill>
+                <a:latin typeface="Arial" panose="020B0604020202020204" pitchFamily="34" charset="0"/>
+              </a:rPr>
+              <a:t>系統架構</a:t>
+            </a:r>
+            <a:r>
+              <a:rPr kumimoji="1" lang="zh-TW" altLang="en-US" dirty="0">
+                <a:latin typeface="Arial" panose="020B0604020202020204" pitchFamily="34" charset="0"/>
+              </a:rPr>
+              <a:t>中存在的</a:t>
+            </a:r>
+            <a:r>
+              <a:rPr kumimoji="1" lang="zh-TW" altLang="en-US" dirty="0">
+                <a:solidFill>
+                  <a:srgbClr val="FF0000"/>
+                </a:solidFill>
+                <a:latin typeface="Arial" panose="020B0604020202020204" pitchFamily="34" charset="0"/>
+              </a:rPr>
+              <a:t>追加功能</a:t>
+            </a:r>
+            <a:r>
+              <a:rPr kumimoji="1" lang="zh-TW" altLang="en-US" dirty="0">
+                <a:latin typeface="Arial" panose="020B0604020202020204" pitchFamily="34" charset="0"/>
+              </a:rPr>
+              <a:t>，以此說明我的設計</a:t>
             </a:r>
             <a:endParaRPr kumimoji="1" lang="en-US" altLang="zh-TW" dirty="0">
               <a:latin typeface="Arial" panose="020B0604020202020204" pitchFamily="34" charset="0"/>
@@ -6796,7 +8552,7 @@
               <a:rPr kumimoji="1" lang="zh-TW" altLang="en-US" dirty="0">
                 <a:latin typeface="Arial" panose="020B0604020202020204" pitchFamily="34" charset="0"/>
               </a:rPr>
-              <a:t>隱私與資安議題 </a:t>
+              <a:t>數據信任機制，用戶信任機制 </a:t>
             </a:r>
             <a:r>
               <a:rPr kumimoji="1" lang="en-US" altLang="zh-TW" dirty="0">
@@ -6808,7 +8564,7 @@
               <a:rPr kumimoji="1" lang="zh-TW" altLang="en-US" dirty="0">
                 <a:latin typeface="Arial" panose="020B0604020202020204" pitchFamily="34" charset="0"/>
               </a:rPr>
-              <a:t>透過自主做到其他人做不到的</a:t>
+              <a:t>達成整個系統中所有參與者的自主</a:t>
             </a:r>
             <a:endParaRPr kumimoji="1" lang="en-US" altLang="zh-TW" dirty="0">
               <a:latin typeface="Arial" panose="020B0604020202020204" pitchFamily="34" charset="0"/>
@@ -6820,19 +8576,31 @@
               <a:rPr kumimoji="1" lang="zh-TW" altLang="en-US" dirty="0">
                 <a:latin typeface="Arial" panose="020B0604020202020204" pitchFamily="34" charset="0"/>
               </a:rPr>
-              <a:t>用戶管理機制</a:t>
+              <a:t>用戶多因素驗證</a:t>
             </a:r>
             <a:r>
               <a:rPr kumimoji="1" lang="en-US" altLang="zh-TW" dirty="0">
                 <a:latin typeface="Arial" panose="020B0604020202020204" pitchFamily="34" charset="0"/>
               </a:rPr>
-              <a:t> =&gt;</a:t>
-            </a:r>
-            <a:r>
-              <a:rPr kumimoji="1" lang="zh-TW" altLang="en-US" dirty="0">
-                <a:latin typeface="Arial" panose="020B0604020202020204" pitchFamily="34" charset="0"/>
-              </a:rPr>
-              <a:t>透過自主做到其他人做不到的</a:t>
+              <a:t>, </a:t>
+            </a:r>
+            <a:r>
+              <a:rPr kumimoji="1" lang="zh-TW" altLang="en-US" dirty="0">
+                <a:latin typeface="Arial" panose="020B0604020202020204" pitchFamily="34" charset="0"/>
+              </a:rPr>
+              <a:t>簡易登入</a:t>
+            </a:r>
+            <a:r>
+              <a:rPr kumimoji="1" lang="en-US" altLang="zh-TW" dirty="0">
+                <a:latin typeface="Arial" panose="020B0604020202020204" pitchFamily="34" charset="0"/>
+              </a:rPr>
+              <a:t> =&gt; </a:t>
+            </a:r>
+            <a:r>
+              <a:rPr kumimoji="1" lang="zh-TW" altLang="en-US" dirty="0">
+                <a:latin typeface="Arial" panose="020B0604020202020204" pitchFamily="34" charset="0"/>
+              </a:rPr>
+              <a:t>用戶易用性</a:t>
             </a:r>
             <a:endParaRPr kumimoji="1" lang="en-US" altLang="zh-TW" dirty="0">
               <a:latin typeface="Arial" panose="020B0604020202020204" pitchFamily="34" charset="0"/>
@@ -6840,19 +8608,59 @@
           </a:p>
           <a:p>
             <a:pPr lvl="1"/>
+            <a:r>
+              <a:rPr kumimoji="1" lang="zh-TW" altLang="en-US" dirty="0">
+                <a:latin typeface="Arial" panose="020B0604020202020204" pitchFamily="34" charset="0"/>
+              </a:rPr>
+              <a:t>隱私與資安議題 </a:t>
+            </a:r>
+            <a:r>
+              <a:rPr kumimoji="1" lang="en-US" altLang="zh-TW" dirty="0">
+                <a:latin typeface="Arial" panose="020B0604020202020204" pitchFamily="34" charset="0"/>
+              </a:rPr>
+              <a:t>=&gt; </a:t>
+            </a:r>
+            <a:r>
+              <a:rPr kumimoji="1" lang="zh-TW" altLang="en-US" dirty="0">
+                <a:latin typeface="Arial" panose="020B0604020202020204" pitchFamily="34" charset="0"/>
+              </a:rPr>
+              <a:t>透過自主做到其他人做不到的</a:t>
+            </a:r>
             <a:endParaRPr kumimoji="1" lang="en-US" altLang="zh-TW" dirty="0">
               <a:latin typeface="Arial" panose="020B0604020202020204" pitchFamily="34" charset="0"/>
             </a:endParaRPr>
           </a:p>
           <a:p>
             <a:pPr lvl="1"/>
+            <a:r>
+              <a:rPr kumimoji="1" lang="zh-TW" altLang="en-US" dirty="0">
+                <a:latin typeface="Arial" panose="020B0604020202020204" pitchFamily="34" charset="0"/>
+              </a:rPr>
+              <a:t>用戶管理機制</a:t>
+            </a:r>
+            <a:r>
+              <a:rPr kumimoji="1" lang="en-US" altLang="zh-TW" dirty="0">
+                <a:latin typeface="Arial" panose="020B0604020202020204" pitchFamily="34" charset="0"/>
+              </a:rPr>
+              <a:t> =&gt;</a:t>
+            </a:r>
+            <a:r>
+              <a:rPr kumimoji="1" lang="zh-TW" altLang="en-US" dirty="0">
+                <a:latin typeface="Arial" panose="020B0604020202020204" pitchFamily="34" charset="0"/>
+              </a:rPr>
+              <a:t>透過自主做到其他人做不到的</a:t>
+            </a:r>
             <a:endParaRPr kumimoji="1" lang="en-US" altLang="zh-TW" dirty="0">
               <a:latin typeface="Arial" panose="020B0604020202020204" pitchFamily="34" charset="0"/>
             </a:endParaRPr>
           </a:p>
           <a:p>
-            <a:pPr lvl="1"/>
-            <a:endParaRPr kumimoji="1" lang="en-US" altLang="zh-TW" dirty="0"/>
+            <a:pPr marL="457200" lvl="1" indent="0">
+              <a:buNone/>
+            </a:pPr>
+            <a:endParaRPr kumimoji="1" lang="en-US" altLang="zh-TW" dirty="0">
+              <a:latin typeface="Arial" panose="020B0604020202020204" pitchFamily="34" charset="0"/>
+            </a:endParaRPr>
           </a:p>
         </p:txBody>
       </p:sp>
@@ -6860,6 +8668,178 @@
     <p:extLst>
       <p:ext uri="{BB962C8B-B14F-4D97-AF65-F5344CB8AC3E}">
         <p14:creationId xmlns:p14="http://schemas.microsoft.com/office/powerpoint/2010/main" val="3402647921"/>
+      </p:ext>
+    </p:extLst>
+  </p:cSld>
+  <p:clrMapOvr>
+    <a:masterClrMapping/>
+  </p:clrMapOvr>
+</p:sld>
+</file>
+
+<file path=ppt/slides/slide9.xml><?xml version="1.0" encoding="utf-8"?>
+<p:sld xmlns:a="http://schemas.openxmlformats.org/drawingml/2006/main" xmlns:r="http://schemas.openxmlformats.org/officeDocument/2006/relationships" xmlns:p="http://schemas.openxmlformats.org/presentationml/2006/main">
+  <p:cSld>
+    <p:spTree>
+      <p:nvGrpSpPr>
+        <p:cNvPr id="1" name=""/>
+        <p:cNvGrpSpPr/>
+        <p:nvPr/>
+      </p:nvGrpSpPr>
+      <p:grpSpPr>
+        <a:xfrm>
+          <a:off x="0" y="0"/>
+          <a:ext cx="0" cy="0"/>
+          <a:chOff x="0" y="0"/>
+          <a:chExt cx="0" cy="0"/>
+        </a:xfrm>
+      </p:grpSpPr>
+      <p:sp>
+        <p:nvSpPr>
+          <p:cNvPr id="2" name="標題 1">
+            <a:extLst>
+              <a:ext uri="{FF2B5EF4-FFF2-40B4-BE49-F238E27FC236}">
+                <a16:creationId xmlns:a16="http://schemas.microsoft.com/office/drawing/2014/main" id="{AF41E7A0-F05F-2C79-2443-35C84F324AF0}"/>
+              </a:ext>
+            </a:extLst>
+          </p:cNvPr>
+          <p:cNvSpPr>
+            <a:spLocks noGrp="1"/>
+          </p:cNvSpPr>
+          <p:nvPr>
+            <p:ph type="title"/>
+          </p:nvPr>
+        </p:nvSpPr>
+        <p:spPr/>
+        <p:txBody>
+          <a:bodyPr/>
+          <a:lstStyle/>
+          <a:p>
+            <a:r>
+              <a:rPr kumimoji="1" lang="zh-TW" altLang="en-US" dirty="0"/>
+              <a:t>蔡孟峰老師</a:t>
+            </a:r>
+          </a:p>
+        </p:txBody>
+      </p:sp>
+      <p:sp>
+        <p:nvSpPr>
+          <p:cNvPr id="3" name="內容版面配置區 2">
+            <a:extLst>
+              <a:ext uri="{FF2B5EF4-FFF2-40B4-BE49-F238E27FC236}">
+                <a16:creationId xmlns:a16="http://schemas.microsoft.com/office/drawing/2014/main" id="{01E03118-0EBD-3432-F0C0-41BD2D89352A}"/>
+              </a:ext>
+            </a:extLst>
+          </p:cNvPr>
+          <p:cNvSpPr>
+            <a:spLocks noGrp="1"/>
+          </p:cNvSpPr>
+          <p:nvPr>
+            <p:ph idx="1"/>
+          </p:nvPr>
+        </p:nvSpPr>
+        <p:spPr/>
+        <p:txBody>
+          <a:bodyPr/>
+          <a:lstStyle/>
+          <a:p>
+            <a:r>
+              <a:rPr kumimoji="1" lang="zh-TW" altLang="en-US" dirty="0"/>
+              <a:t>自主化的背後有者</a:t>
+            </a:r>
+            <a:r>
+              <a:rPr kumimoji="1" lang="en-US" altLang="zh-TW" dirty="0"/>
+              <a:t>”</a:t>
+            </a:r>
+            <a:r>
+              <a:rPr kumimoji="1" lang="zh-TW" altLang="en-US" dirty="0"/>
+              <a:t>可選擇</a:t>
+            </a:r>
+            <a:r>
+              <a:rPr kumimoji="1" lang="en-US" altLang="zh-TW" dirty="0"/>
+              <a:t>”</a:t>
+            </a:r>
+            <a:r>
+              <a:rPr kumimoji="1" lang="zh-TW" altLang="en-US" dirty="0"/>
+              <a:t>，但不該一昧反對現有系統，</a:t>
+            </a:r>
+            <a:r>
+              <a:rPr kumimoji="1" lang="en-US" altLang="zh-TW" dirty="0"/>
+              <a:t>”</a:t>
+            </a:r>
+            <a:r>
+              <a:rPr kumimoji="1" lang="zh-TW" altLang="en-US" dirty="0"/>
+              <a:t>系統化</a:t>
+            </a:r>
+            <a:r>
+              <a:rPr kumimoji="1" lang="en-US" altLang="zh-TW" dirty="0"/>
+              <a:t>”</a:t>
+            </a:r>
+            <a:r>
+              <a:rPr kumimoji="1" lang="zh-TW" altLang="en-US" dirty="0"/>
+              <a:t>與自主的結合應該要有所敘述。</a:t>
+            </a:r>
+            <a:endParaRPr kumimoji="1" lang="en-US" altLang="zh-TW" dirty="0"/>
+          </a:p>
+          <a:p>
+            <a:pPr lvl="1"/>
+            <a:r>
+              <a:rPr kumimoji="1" lang="zh-TW" altLang="en-US" dirty="0"/>
+              <a:t>會</a:t>
+            </a:r>
+            <a:r>
+              <a:rPr kumimoji="1" lang="zh-TW" altLang="en-US" dirty="0">
+                <a:solidFill>
+                  <a:srgbClr val="FF0000"/>
+                </a:solidFill>
+              </a:rPr>
+              <a:t>在第五章加入相關論述</a:t>
+            </a:r>
+            <a:r>
+              <a:rPr kumimoji="1" lang="en-US" altLang="zh-TW" dirty="0"/>
+              <a:t>: </a:t>
+            </a:r>
+            <a:r>
+              <a:rPr kumimoji="1" lang="zh-TW" altLang="en-US" dirty="0"/>
+              <a:t>包含透過智能合約自動化，透過社群建立系統等等。</a:t>
+            </a:r>
+            <a:endParaRPr kumimoji="1" lang="en-US" altLang="zh-TW" dirty="0"/>
+          </a:p>
+          <a:p>
+            <a:r>
+              <a:rPr kumimoji="1" lang="zh-TW" altLang="en-US" dirty="0"/>
+              <a:t>用詞一般化</a:t>
+            </a:r>
+            <a:r>
+              <a:rPr kumimoji="1" lang="en-US" altLang="zh-TW" dirty="0"/>
+              <a:t>:</a:t>
+            </a:r>
+          </a:p>
+          <a:p>
+            <a:pPr lvl="1"/>
+            <a:r>
+              <a:rPr kumimoji="1" lang="zh-TW" altLang="en-US" dirty="0"/>
+              <a:t>補充問題</a:t>
+            </a:r>
+            <a:r>
+              <a:rPr kumimoji="1" lang="en-US" altLang="zh-TW" dirty="0"/>
+              <a:t>: </a:t>
+            </a:r>
+            <a:r>
+              <a:rPr kumimoji="1" lang="zh-TW" altLang="en-US" dirty="0"/>
+              <a:t>可以改前人的稱呼嗎</a:t>
+            </a:r>
+            <a:r>
+              <a:rPr kumimoji="1" lang="en-US" altLang="zh-TW" dirty="0"/>
+              <a:t>? Ex: aid server vs aid center, wallet vs client</a:t>
+            </a:r>
+          </a:p>
+        </p:txBody>
+      </p:sp>
+    </p:spTree>
+    <p:extLst>
+      <p:ext uri="{BB962C8B-B14F-4D97-AF65-F5344CB8AC3E}">
+        <p14:creationId xmlns:p14="http://schemas.microsoft.com/office/powerpoint/2010/main" val="3729822657"/>
       </p:ext>
     </p:extLst>
   </p:cSld>

--- a/docs/口試後修改.pptx
+++ b/docs/口試後修改.pptx
@@ -271,7 +271,7 @@
           <a:p>
             <a:fld id="{9A203CEE-5A35-6949-A7DA-544E1E63CB92}" type="datetimeFigureOut">
               <a:rPr kumimoji="1" lang="zh-TW" altLang="en-US" smtClean="0"/>
-              <a:t>2024/7/31</a:t>
+              <a:t>2024/8/2</a:t>
             </a:fld>
             <a:endParaRPr kumimoji="1" lang="zh-TW" altLang="en-US"/>
           </a:p>
@@ -469,7 +469,7 @@
           <a:p>
             <a:fld id="{9A203CEE-5A35-6949-A7DA-544E1E63CB92}" type="datetimeFigureOut">
               <a:rPr kumimoji="1" lang="zh-TW" altLang="en-US" smtClean="0"/>
-              <a:t>2024/7/31</a:t>
+              <a:t>2024/8/2</a:t>
             </a:fld>
             <a:endParaRPr kumimoji="1" lang="zh-TW" altLang="en-US"/>
           </a:p>
@@ -677,7 +677,7 @@
           <a:p>
             <a:fld id="{9A203CEE-5A35-6949-A7DA-544E1E63CB92}" type="datetimeFigureOut">
               <a:rPr kumimoji="1" lang="zh-TW" altLang="en-US" smtClean="0"/>
-              <a:t>2024/7/31</a:t>
+              <a:t>2024/8/2</a:t>
             </a:fld>
             <a:endParaRPr kumimoji="1" lang="zh-TW" altLang="en-US"/>
           </a:p>
@@ -875,7 +875,7 @@
           <a:p>
             <a:fld id="{9A203CEE-5A35-6949-A7DA-544E1E63CB92}" type="datetimeFigureOut">
               <a:rPr kumimoji="1" lang="zh-TW" altLang="en-US" smtClean="0"/>
-              <a:t>2024/7/31</a:t>
+              <a:t>2024/8/2</a:t>
             </a:fld>
             <a:endParaRPr kumimoji="1" lang="zh-TW" altLang="en-US"/>
           </a:p>
@@ -1150,7 +1150,7 @@
           <a:p>
             <a:fld id="{9A203CEE-5A35-6949-A7DA-544E1E63CB92}" type="datetimeFigureOut">
               <a:rPr kumimoji="1" lang="zh-TW" altLang="en-US" smtClean="0"/>
-              <a:t>2024/7/31</a:t>
+              <a:t>2024/8/2</a:t>
             </a:fld>
             <a:endParaRPr kumimoji="1" lang="zh-TW" altLang="en-US"/>
           </a:p>
@@ -1415,7 +1415,7 @@
           <a:p>
             <a:fld id="{9A203CEE-5A35-6949-A7DA-544E1E63CB92}" type="datetimeFigureOut">
               <a:rPr kumimoji="1" lang="zh-TW" altLang="en-US" smtClean="0"/>
-              <a:t>2024/7/31</a:t>
+              <a:t>2024/8/2</a:t>
             </a:fld>
             <a:endParaRPr kumimoji="1" lang="zh-TW" altLang="en-US"/>
           </a:p>
@@ -1827,7 +1827,7 @@
           <a:p>
             <a:fld id="{9A203CEE-5A35-6949-A7DA-544E1E63CB92}" type="datetimeFigureOut">
               <a:rPr kumimoji="1" lang="zh-TW" altLang="en-US" smtClean="0"/>
-              <a:t>2024/7/31</a:t>
+              <a:t>2024/8/2</a:t>
             </a:fld>
             <a:endParaRPr kumimoji="1" lang="zh-TW" altLang="en-US"/>
           </a:p>
@@ -1968,7 +1968,7 @@
           <a:p>
             <a:fld id="{9A203CEE-5A35-6949-A7DA-544E1E63CB92}" type="datetimeFigureOut">
               <a:rPr kumimoji="1" lang="zh-TW" altLang="en-US" smtClean="0"/>
-              <a:t>2024/7/31</a:t>
+              <a:t>2024/8/2</a:t>
             </a:fld>
             <a:endParaRPr kumimoji="1" lang="zh-TW" altLang="en-US"/>
           </a:p>
@@ -2081,7 +2081,7 @@
           <a:p>
             <a:fld id="{9A203CEE-5A35-6949-A7DA-544E1E63CB92}" type="datetimeFigureOut">
               <a:rPr kumimoji="1" lang="zh-TW" altLang="en-US" smtClean="0"/>
-              <a:t>2024/7/31</a:t>
+              <a:t>2024/8/2</a:t>
             </a:fld>
             <a:endParaRPr kumimoji="1" lang="zh-TW" altLang="en-US"/>
           </a:p>
@@ -2392,7 +2392,7 @@
           <a:p>
             <a:fld id="{9A203CEE-5A35-6949-A7DA-544E1E63CB92}" type="datetimeFigureOut">
               <a:rPr kumimoji="1" lang="zh-TW" altLang="en-US" smtClean="0"/>
-              <a:t>2024/7/31</a:t>
+              <a:t>2024/8/2</a:t>
             </a:fld>
             <a:endParaRPr kumimoji="1" lang="zh-TW" altLang="en-US"/>
           </a:p>
@@ -2680,7 +2680,7 @@
           <a:p>
             <a:fld id="{9A203CEE-5A35-6949-A7DA-544E1E63CB92}" type="datetimeFigureOut">
               <a:rPr kumimoji="1" lang="zh-TW" altLang="en-US" smtClean="0"/>
-              <a:t>2024/7/31</a:t>
+              <a:t>2024/8/2</a:t>
             </a:fld>
             <a:endParaRPr kumimoji="1" lang="zh-TW" altLang="en-US"/>
           </a:p>
@@ -2921,7 +2921,7 @@
           <a:p>
             <a:fld id="{9A203CEE-5A35-6949-A7DA-544E1E63CB92}" type="datetimeFigureOut">
               <a:rPr kumimoji="1" lang="zh-TW" altLang="en-US" smtClean="0"/>
-              <a:t>2024/7/31</a:t>
+              <a:t>2024/8/2</a:t>
             </a:fld>
             <a:endParaRPr kumimoji="1" lang="zh-TW" altLang="en-US"/>
           </a:p>
@@ -6576,16 +6576,15 @@
           </p:cNvPicPr>
           <p:nvPr/>
         </p:nvPicPr>
-        <p:blipFill>
+        <p:blipFill rotWithShape="1">
           <a:blip r:embed="rId2"/>
-          <a:stretch>
-            <a:fillRect/>
-          </a:stretch>
+          <a:srcRect b="7729"/>
+          <a:stretch/>
         </p:blipFill>
         <p:spPr>
           <a:xfrm>
-            <a:off x="149771" y="4426553"/>
-            <a:ext cx="3802117" cy="2230576"/>
+            <a:off x="733971" y="4426526"/>
+            <a:ext cx="4213843" cy="2281043"/>
           </a:xfrm>
           <a:prstGeom prst="rect">
             <a:avLst/>
@@ -6636,7 +6635,7 @@
         </p:nvSpPr>
         <p:spPr>
           <a:xfrm>
-            <a:off x="4101662" y="5077156"/>
+            <a:off x="4224415" y="5752116"/>
             <a:ext cx="3743170" cy="662152"/>
           </a:xfrm>
           <a:prstGeom prst="rightArrow">
